--- a/M10715054/final-project-neuralnetwork.pptx
+++ b/M10715054/final-project-neuralnetwork.pptx
@@ -3903,7 +3903,7 @@
           <p:cNvPr id="3" name="標題 2">
             <a:extLst>
               <a:ext uri="{FF2B5EF4-FFF2-40B4-BE49-F238E27FC236}">
-                <a16:creationId xmlns:a16="http://schemas.microsoft.com/office/drawing/2014/main" xmlns="" id="{94DDEF59-0112-7840-9A9A-DD2972F181D5}"/>
+                <a16:creationId xmlns:a16="http://schemas.microsoft.com/office/drawing/2014/main" id="{94DDEF59-0112-7840-9A9A-DD2972F181D5}"/>
               </a:ext>
             </a:extLst>
           </p:cNvPr>
@@ -3945,7 +3945,7 @@
           <p:cNvPr id="9" name="副標題 2">
             <a:extLst>
               <a:ext uri="{FF2B5EF4-FFF2-40B4-BE49-F238E27FC236}">
-                <a16:creationId xmlns:a16="http://schemas.microsoft.com/office/drawing/2014/main" xmlns="" id="{14244EA4-D87C-764D-971C-B8EEF1266094}"/>
+                <a16:creationId xmlns:a16="http://schemas.microsoft.com/office/drawing/2014/main" id="{14244EA4-D87C-764D-971C-B8EEF1266094}"/>
               </a:ext>
             </a:extLst>
           </p:cNvPr>
@@ -4216,7 +4216,7 @@
           <p:cNvPr id="2" name="標題 1">
             <a:extLst>
               <a:ext uri="{FF2B5EF4-FFF2-40B4-BE49-F238E27FC236}">
-                <a16:creationId xmlns:a16="http://schemas.microsoft.com/office/drawing/2014/main" xmlns="" id="{271970B9-D6C1-C64A-9FE1-AB88F6256F91}"/>
+                <a16:creationId xmlns:a16="http://schemas.microsoft.com/office/drawing/2014/main" id="{271970B9-D6C1-C64A-9FE1-AB88F6256F91}"/>
               </a:ext>
             </a:extLst>
           </p:cNvPr>
@@ -4244,7 +4244,7 @@
           <p:cNvPr id="4" name="圖片 3">
             <a:extLst>
               <a:ext uri="{FF2B5EF4-FFF2-40B4-BE49-F238E27FC236}">
-                <a16:creationId xmlns:a16="http://schemas.microsoft.com/office/drawing/2014/main" xmlns="" id="{CDB4A506-0EE2-3545-B281-D29D773FA2DC}"/>
+                <a16:creationId xmlns:a16="http://schemas.microsoft.com/office/drawing/2014/main" id="{CDB4A506-0EE2-3545-B281-D29D773FA2DC}"/>
               </a:ext>
             </a:extLst>
           </p:cNvPr>
@@ -4274,7 +4274,7 @@
           <p:cNvPr id="5" name="圖片 4">
             <a:extLst>
               <a:ext uri="{FF2B5EF4-FFF2-40B4-BE49-F238E27FC236}">
-                <a16:creationId xmlns:a16="http://schemas.microsoft.com/office/drawing/2014/main" xmlns="" id="{47732883-8D26-A24C-AAA6-15461A1E53F7}"/>
+                <a16:creationId xmlns:a16="http://schemas.microsoft.com/office/drawing/2014/main" id="{47732883-8D26-A24C-AAA6-15461A1E53F7}"/>
               </a:ext>
             </a:extLst>
           </p:cNvPr>
@@ -4308,7 +4308,7 @@
           <p:cNvPr id="6" name="文字方塊 5">
             <a:extLst>
               <a:ext uri="{FF2B5EF4-FFF2-40B4-BE49-F238E27FC236}">
-                <a16:creationId xmlns:a16="http://schemas.microsoft.com/office/drawing/2014/main" xmlns="" id="{DF7EC42B-6062-C648-9EA5-B83CC2739347}"/>
+                <a16:creationId xmlns:a16="http://schemas.microsoft.com/office/drawing/2014/main" id="{DF7EC42B-6062-C648-9EA5-B83CC2739347}"/>
               </a:ext>
             </a:extLst>
           </p:cNvPr>
@@ -4343,7 +4343,7 @@
           <p:cNvPr id="7" name="文字方塊 6">
             <a:extLst>
               <a:ext uri="{FF2B5EF4-FFF2-40B4-BE49-F238E27FC236}">
-                <a16:creationId xmlns:a16="http://schemas.microsoft.com/office/drawing/2014/main" xmlns="" id="{0C8A7D1B-76F1-5F41-B0C0-457669BAEDC0}"/>
+                <a16:creationId xmlns:a16="http://schemas.microsoft.com/office/drawing/2014/main" id="{0C8A7D1B-76F1-5F41-B0C0-457669BAEDC0}"/>
               </a:ext>
             </a:extLst>
           </p:cNvPr>
@@ -4379,7 +4379,7 @@
           <p:cNvPr id="9" name="圖片 8">
             <a:extLst>
               <a:ext uri="{FF2B5EF4-FFF2-40B4-BE49-F238E27FC236}">
-                <a16:creationId xmlns:a16="http://schemas.microsoft.com/office/drawing/2014/main" xmlns="" id="{C9B6A2CC-E22D-4E42-93B8-0D0CB8A4DA19}"/>
+                <a16:creationId xmlns:a16="http://schemas.microsoft.com/office/drawing/2014/main" id="{C9B6A2CC-E22D-4E42-93B8-0D0CB8A4DA19}"/>
               </a:ext>
             </a:extLst>
           </p:cNvPr>
@@ -4443,7 +4443,7 @@
           <p:cNvPr id="2" name="標題 1">
             <a:extLst>
               <a:ext uri="{FF2B5EF4-FFF2-40B4-BE49-F238E27FC236}">
-                <a16:creationId xmlns:a16="http://schemas.microsoft.com/office/drawing/2014/main" xmlns="" id="{48BB592C-D7D0-744F-BAD9-8638C16E0122}"/>
+                <a16:creationId xmlns:a16="http://schemas.microsoft.com/office/drawing/2014/main" id="{48BB592C-D7D0-744F-BAD9-8638C16E0122}"/>
               </a:ext>
             </a:extLst>
           </p:cNvPr>
@@ -4471,7 +4471,7 @@
           <p:cNvPr id="5" name="表格 4">
             <a:extLst>
               <a:ext uri="{FF2B5EF4-FFF2-40B4-BE49-F238E27FC236}">
-                <a16:creationId xmlns:a16="http://schemas.microsoft.com/office/drawing/2014/main" xmlns="" id="{A781791F-AD35-CD42-9A04-C71BDF3CE239}"/>
+                <a16:creationId xmlns:a16="http://schemas.microsoft.com/office/drawing/2014/main" id="{A781791F-AD35-CD42-9A04-C71BDF3CE239}"/>
               </a:ext>
             </a:extLst>
           </p:cNvPr>
@@ -4500,14 +4500,14 @@
                 <a:gridCol w="3048000">
                   <a:extLst>
                     <a:ext uri="{9D8B030D-6E8A-4147-A177-3AD203B41FA5}">
-                      <a16:colId xmlns:a16="http://schemas.microsoft.com/office/drawing/2014/main" xmlns="" val="3949801325"/>
+                      <a16:colId xmlns:a16="http://schemas.microsoft.com/office/drawing/2014/main" val="3949801325"/>
                     </a:ext>
                   </a:extLst>
                 </a:gridCol>
                 <a:gridCol w="3048000">
                   <a:extLst>
                     <a:ext uri="{9D8B030D-6E8A-4147-A177-3AD203B41FA5}">
-                      <a16:colId xmlns:a16="http://schemas.microsoft.com/office/drawing/2014/main" xmlns="" val="1249293660"/>
+                      <a16:colId xmlns:a16="http://schemas.microsoft.com/office/drawing/2014/main" val="1249293660"/>
                     </a:ext>
                   </a:extLst>
                 </a:gridCol>
@@ -4535,7 +4535,7 @@
                 </a:tc>
                 <a:extLst>
                   <a:ext uri="{0D108BD9-81ED-4DB2-BD59-A6C34878D82A}">
-                    <a16:rowId xmlns:a16="http://schemas.microsoft.com/office/drawing/2014/main" xmlns="" val="4220761625"/>
+                    <a16:rowId xmlns:a16="http://schemas.microsoft.com/office/drawing/2014/main" val="4220761625"/>
                   </a:ext>
                 </a:extLst>
               </a:tr>
@@ -4568,7 +4568,7 @@
                 </a:tc>
                 <a:extLst>
                   <a:ext uri="{0D108BD9-81ED-4DB2-BD59-A6C34878D82A}">
-                    <a16:rowId xmlns:a16="http://schemas.microsoft.com/office/drawing/2014/main" xmlns="" val="2753093139"/>
+                    <a16:rowId xmlns:a16="http://schemas.microsoft.com/office/drawing/2014/main" val="2753093139"/>
                   </a:ext>
                 </a:extLst>
               </a:tr>
@@ -4601,7 +4601,7 @@
                 </a:tc>
                 <a:extLst>
                   <a:ext uri="{0D108BD9-81ED-4DB2-BD59-A6C34878D82A}">
-                    <a16:rowId xmlns:a16="http://schemas.microsoft.com/office/drawing/2014/main" xmlns="" val="2365980263"/>
+                    <a16:rowId xmlns:a16="http://schemas.microsoft.com/office/drawing/2014/main" val="2365980263"/>
                   </a:ext>
                 </a:extLst>
               </a:tr>
@@ -4634,7 +4634,7 @@
                 </a:tc>
                 <a:extLst>
                   <a:ext uri="{0D108BD9-81ED-4DB2-BD59-A6C34878D82A}">
-                    <a16:rowId xmlns:a16="http://schemas.microsoft.com/office/drawing/2014/main" xmlns="" val="3902318504"/>
+                    <a16:rowId xmlns:a16="http://schemas.microsoft.com/office/drawing/2014/main" val="3902318504"/>
                   </a:ext>
                 </a:extLst>
               </a:tr>
@@ -4667,7 +4667,7 @@
                 </a:tc>
                 <a:extLst>
                   <a:ext uri="{0D108BD9-81ED-4DB2-BD59-A6C34878D82A}">
-                    <a16:rowId xmlns:a16="http://schemas.microsoft.com/office/drawing/2014/main" xmlns="" val="2740679042"/>
+                    <a16:rowId xmlns:a16="http://schemas.microsoft.com/office/drawing/2014/main" val="2740679042"/>
                   </a:ext>
                 </a:extLst>
               </a:tr>
@@ -4700,7 +4700,7 @@
                 </a:tc>
                 <a:extLst>
                   <a:ext uri="{0D108BD9-81ED-4DB2-BD59-A6C34878D82A}">
-                    <a16:rowId xmlns:a16="http://schemas.microsoft.com/office/drawing/2014/main" xmlns="" val="3870195295"/>
+                    <a16:rowId xmlns:a16="http://schemas.microsoft.com/office/drawing/2014/main" val="3870195295"/>
                   </a:ext>
                 </a:extLst>
               </a:tr>
@@ -4743,7 +4743,7 @@
           <p:cNvPr id="2" name="標題 1">
             <a:extLst>
               <a:ext uri="{FF2B5EF4-FFF2-40B4-BE49-F238E27FC236}">
-                <a16:creationId xmlns:a16="http://schemas.microsoft.com/office/drawing/2014/main" xmlns="" id="{48BB592C-D7D0-744F-BAD9-8638C16E0122}"/>
+                <a16:creationId xmlns:a16="http://schemas.microsoft.com/office/drawing/2014/main" id="{A26A0A7D-2BDA-A14E-994F-EC2E8DF8B735}"/>
               </a:ext>
             </a:extLst>
           </p:cNvPr>
@@ -4760,7 +4760,7 @@
           <a:lstStyle/>
           <a:p>
             <a:r>
-              <a:rPr kumimoji="1" lang="zh-TW" altLang="en-US" dirty="0" smtClean="0"/>
+              <a:rPr lang="zh-CN" altLang="en-US" dirty="0"/>
               <a:t>心得</a:t>
             </a:r>
             <a:endParaRPr kumimoji="1" lang="zh-TW" altLang="en-US" dirty="0"/>
@@ -4769,10 +4769,10 @@
       </p:sp>
       <p:sp>
         <p:nvSpPr>
-          <p:cNvPr id="6" name="內容版面配置區 2">
+          <p:cNvPr id="3" name="內容版面配置區 2">
             <a:extLst>
               <a:ext uri="{FF2B5EF4-FFF2-40B4-BE49-F238E27FC236}">
-                <a16:creationId xmlns:a16="http://schemas.microsoft.com/office/drawing/2014/main" xmlns="" id="{F52C789C-8ACE-3B4E-9AA0-9B9669E7CC84}"/>
+                <a16:creationId xmlns:a16="http://schemas.microsoft.com/office/drawing/2014/main" id="{6232E566-060A-9F48-BBA0-B224933412FE}"/>
               </a:ext>
             </a:extLst>
           </p:cNvPr>
@@ -4785,134 +4785,121 @@
         </p:nvSpPr>
         <p:spPr>
           <a:xfrm>
-            <a:off x="539552" y="1178859"/>
-            <a:ext cx="8424936" cy="3771900"/>
+            <a:off x="745232" y="1333500"/>
+            <a:ext cx="7859216" cy="3771900"/>
           </a:xfrm>
         </p:spPr>
         <p:txBody>
           <a:bodyPr/>
           <a:lstStyle/>
           <a:p>
-            <a:r>
-              <a:rPr kumimoji="1" lang="zh-TW" altLang="en-US" sz="2000" dirty="0" smtClean="0"/>
-              <a:t>在</a:t>
-            </a:r>
-            <a:r>
-              <a:rPr kumimoji="1" lang="zh-TW" altLang="en-US" sz="2000" dirty="0" smtClean="0"/>
-              <a:t>得知主題為運輸模式</a:t>
-            </a:r>
-            <a:r>
-              <a:rPr lang="zh-TW" altLang="en-US" sz="2000" dirty="0" smtClean="0"/>
-              <a:t>推薦</a:t>
-            </a:r>
-            <a:r>
-              <a:rPr lang="zh-TW" altLang="en-US" sz="2000" dirty="0" smtClean="0"/>
-              <a:t>預測時，我們想了幾個情況下</a:t>
-            </a:r>
-            <a:r>
-              <a:rPr lang="zh-TW" altLang="en-US" sz="2000" dirty="0"/>
-              <a:t>，</a:t>
-            </a:r>
-            <a:r>
-              <a:rPr lang="zh-TW" altLang="en-US" sz="2000" dirty="0" smtClean="0"/>
-              <a:t>會導致使用者偏好的選擇</a:t>
-            </a:r>
-            <a:r>
-              <a:rPr lang="zh-TW" altLang="en-US" sz="2000" dirty="0"/>
-              <a:t>，</a:t>
-            </a:r>
-            <a:r>
-              <a:rPr lang="zh-TW" altLang="en-US" sz="2000" dirty="0" smtClean="0"/>
-              <a:t>運輸時間</a:t>
-            </a:r>
-            <a:r>
-              <a:rPr lang="zh-TW" altLang="en-US" sz="2000" dirty="0" smtClean="0"/>
-              <a:t>價錢等</a:t>
-            </a:r>
-            <a:r>
-              <a:rPr lang="zh-TW" altLang="en-US" sz="2000" dirty="0" smtClean="0"/>
-              <a:t>，</a:t>
-            </a:r>
-            <a:r>
-              <a:rPr lang="zh-TW" altLang="en-US" sz="2000" dirty="0" smtClean="0"/>
-              <a:t>我們考量了是否為上下班時間的尖峰時期</a:t>
-            </a:r>
-            <a:r>
-              <a:rPr lang="zh-TW" altLang="en-US" sz="2000" dirty="0" smtClean="0"/>
-              <a:t>，</a:t>
-            </a:r>
-            <a:r>
-              <a:rPr lang="zh-TW" altLang="en-US" sz="2000" dirty="0" smtClean="0"/>
-              <a:t>這可能會影響交通堵塞的程度</a:t>
-            </a:r>
-            <a:r>
-              <a:rPr lang="zh-TW" altLang="en-US" sz="2000" dirty="0" smtClean="0"/>
-              <a:t>，</a:t>
-            </a:r>
-            <a:r>
-              <a:rPr lang="zh-TW" altLang="en-US" sz="2000" dirty="0" smtClean="0"/>
-              <a:t>此外我們考量了北京的地理位址 </a:t>
-            </a:r>
-            <a:r>
-              <a:rPr lang="zh-TW" altLang="en-US" sz="2000" dirty="0" smtClean="0"/>
-              <a:t>，</a:t>
-            </a:r>
-            <a:r>
-              <a:rPr lang="zh-TW" altLang="en-US" sz="2000" dirty="0" smtClean="0"/>
-              <a:t>因此加入北京的環狀區域判別</a:t>
-            </a:r>
-            <a:r>
-              <a:rPr lang="zh-TW" altLang="en-US" sz="2000" dirty="0" smtClean="0"/>
-              <a:t>，</a:t>
-            </a:r>
-            <a:r>
-              <a:rPr lang="zh-TW" altLang="en-US" sz="2000" dirty="0" smtClean="0"/>
-              <a:t>很多住在二環外的居民可能每天都會到一二環上班</a:t>
-            </a:r>
-            <a:r>
-              <a:rPr lang="zh-TW" altLang="en-US" sz="2000" dirty="0" smtClean="0"/>
-              <a:t>，</a:t>
-            </a:r>
-            <a:r>
-              <a:rPr lang="zh-TW" altLang="en-US" sz="2000" dirty="0" smtClean="0"/>
-              <a:t>因此在一二環內的交通堵塞會成為民眾交通考量的一個原因</a:t>
-            </a:r>
-            <a:r>
-              <a:rPr lang="zh-TW" altLang="en-US" sz="2000" dirty="0" smtClean="0"/>
-              <a:t>，</a:t>
-            </a:r>
-            <a:r>
-              <a:rPr lang="zh-TW" altLang="en-US" sz="2000" dirty="0" smtClean="0"/>
-              <a:t>在訓練資料結果上</a:t>
-            </a:r>
-            <a:r>
-              <a:rPr lang="zh-TW" altLang="en-US" sz="2000" dirty="0" smtClean="0"/>
-              <a:t>，</a:t>
-            </a:r>
-            <a:r>
-              <a:rPr lang="zh-TW" altLang="en-US" sz="2000" dirty="0" smtClean="0"/>
-              <a:t>我們發現了太多的欄位並不會因此得出更好的結果</a:t>
-            </a:r>
-            <a:r>
-              <a:rPr lang="zh-TW" altLang="en-US" sz="2000" dirty="0" smtClean="0"/>
-              <a:t>，</a:t>
-            </a:r>
-            <a:r>
-              <a:rPr lang="zh-TW" altLang="en-US" sz="2000" dirty="0" smtClean="0"/>
-              <a:t>在一些多餘欄位的處理上是我們還需要再繼續考量的</a:t>
-            </a:r>
-            <a:r>
-              <a:rPr lang="zh-TW" altLang="en-US" sz="2000" dirty="0"/>
-              <a:t>。</a:t>
-            </a:r>
-            <a:endParaRPr lang="en-US" altLang="zh-TW" sz="2000" dirty="0"/>
+            <a:pPr marL="0" indent="0">
+              <a:buNone/>
+            </a:pPr>
+            <a:r>
+              <a:rPr kumimoji="1" lang="en-US" altLang="zh-TW" sz="1600" dirty="0"/>
+              <a:t>	</a:t>
+            </a:r>
+            <a:r>
+              <a:rPr kumimoji="1" lang="zh-TW" altLang="en-US" sz="1600" dirty="0"/>
+              <a:t>這學期因為比了</a:t>
+            </a:r>
+            <a:r>
+              <a:rPr kumimoji="1" lang="en-US" altLang="zh-TW" sz="1600" dirty="0"/>
+              <a:t>KDD CUP</a:t>
+            </a:r>
+            <a:r>
+              <a:rPr kumimoji="1" lang="zh-CN" altLang="en-US" sz="1600" dirty="0"/>
+              <a:t>的關係，從原本只對神經網路有個出淺的了解，到最後自認為對神經網路的架構和他的原理有相當程度的瞭解，由於這門課叫“類神經網路”，所以我堅持用神經網路模型作為我比賽的模型，雖然不盡人意，但收穫非常的多。從一開始安裝一個可以調用</a:t>
+            </a:r>
+            <a:r>
+              <a:rPr kumimoji="1" lang="en-US" altLang="zh-CN" sz="1600" dirty="0"/>
+              <a:t> </a:t>
+            </a:r>
+            <a:r>
+              <a:rPr kumimoji="1" lang="en-US" altLang="zh-CN" sz="1600" dirty="0" err="1"/>
+              <a:t>gpu</a:t>
+            </a:r>
+            <a:r>
+              <a:rPr kumimoji="1" lang="en-US" altLang="zh-CN" sz="1600" dirty="0"/>
+              <a:t> </a:t>
+            </a:r>
+            <a:r>
+              <a:rPr kumimoji="1" lang="zh-CN" altLang="en-US" sz="1600" dirty="0"/>
+              <a:t>的環境，再來是資料的前處理，原來</a:t>
+            </a:r>
+            <a:r>
+              <a:rPr kumimoji="1" lang="en-US" altLang="zh-CN" sz="1600" dirty="0"/>
+              <a:t> pandas </a:t>
+            </a:r>
+            <a:r>
+              <a:rPr kumimoji="1" lang="zh-CN" altLang="en-US" sz="1600" dirty="0"/>
+              <a:t>這麼好用！它既有可以處理矩陣運算的功能，也有類似</a:t>
+            </a:r>
+            <a:r>
+              <a:rPr kumimoji="1" lang="en-US" altLang="zh-CN" sz="1600" dirty="0"/>
+              <a:t> SQL </a:t>
+            </a:r>
+            <a:r>
+              <a:rPr kumimoji="1" lang="zh-CN" altLang="en-US" sz="1600" dirty="0"/>
+              <a:t>的函數可以整併資料。在建立模型時，因為想要知道類神經網路是怎麼</a:t>
+            </a:r>
+            <a:r>
+              <a:rPr kumimoji="1" lang="zh-TW" altLang="en-US" sz="1600" dirty="0"/>
+              <a:t> </a:t>
+            </a:r>
+            <a:r>
+              <a:rPr kumimoji="1" lang="en-US" altLang="zh-CN" sz="1600" dirty="0"/>
+              <a:t>work</a:t>
+            </a:r>
+            <a:r>
+              <a:rPr kumimoji="1" lang="zh-TW" altLang="en-US" sz="1600" dirty="0"/>
+              <a:t> </a:t>
+            </a:r>
+            <a:r>
+              <a:rPr kumimoji="1" lang="zh-CN" altLang="en-US" sz="1600" dirty="0"/>
+              <a:t>的，所以找了許多文章，也去</a:t>
+            </a:r>
+            <a:r>
+              <a:rPr kumimoji="1" lang="en-US" altLang="zh-CN" sz="1600" dirty="0"/>
+              <a:t> </a:t>
+            </a:r>
+            <a:r>
+              <a:rPr lang="en-US" altLang="zh-CN" sz="1600" dirty="0"/>
+              <a:t>C</a:t>
+            </a:r>
+            <a:r>
+              <a:rPr kumimoji="1" lang="en-US" altLang="zh-CN" sz="1600" dirty="0"/>
+              <a:t>oursera </a:t>
+            </a:r>
+            <a:r>
+              <a:rPr kumimoji="1" lang="zh-CN" altLang="en-US" sz="1600" dirty="0"/>
+              <a:t>上了</a:t>
+            </a:r>
+            <a:r>
+              <a:rPr lang="zh-CN" altLang="en-US" sz="1600" dirty="0"/>
+              <a:t>吳恩達老師的機器學習課程，在</a:t>
+            </a:r>
+            <a:r>
+              <a:rPr lang="en-US" altLang="zh-CN" sz="1600" dirty="0" err="1"/>
+              <a:t>tunning</a:t>
+            </a:r>
+            <a:r>
+              <a:rPr lang="en-US" altLang="zh-CN" sz="1600" dirty="0"/>
+              <a:t> </a:t>
+            </a:r>
+            <a:r>
+              <a:rPr lang="zh-CN" altLang="en-US" sz="1600" dirty="0"/>
+              <a:t>的過程中，會發現老師上課說到的問題，如何去改進他，非常有趣。</a:t>
+            </a:r>
+            <a:endParaRPr kumimoji="1" lang="zh-TW" altLang="en-US" sz="1600" dirty="0"/>
           </a:p>
         </p:txBody>
       </p:sp>
     </p:spTree>
     <p:extLst>
       <p:ext uri="{BB962C8B-B14F-4D97-AF65-F5344CB8AC3E}">
-        <p14:creationId xmlns:p14="http://schemas.microsoft.com/office/powerpoint/2010/main" val="1662390604"/>
+        <p14:creationId xmlns:p14="http://schemas.microsoft.com/office/powerpoint/2010/main" val="3513460634"/>
       </p:ext>
     </p:extLst>
   </p:cSld>
@@ -4944,7 +4931,7 @@
           <p:cNvPr id="3" name="標題 2">
             <a:extLst>
               <a:ext uri="{FF2B5EF4-FFF2-40B4-BE49-F238E27FC236}">
-                <a16:creationId xmlns:a16="http://schemas.microsoft.com/office/drawing/2014/main" xmlns="" id="{54BB8311-D02C-4842-AEAF-EE0FE4A70073}"/>
+                <a16:creationId xmlns:a16="http://schemas.microsoft.com/office/drawing/2014/main" id="{54BB8311-D02C-4842-AEAF-EE0FE4A70073}"/>
               </a:ext>
             </a:extLst>
           </p:cNvPr>
@@ -4972,7 +4959,7 @@
           <p:cNvPr id="5" name="內容版面配置區 4">
             <a:extLst>
               <a:ext uri="{FF2B5EF4-FFF2-40B4-BE49-F238E27FC236}">
-                <a16:creationId xmlns:a16="http://schemas.microsoft.com/office/drawing/2014/main" xmlns="" id="{2DF606BF-DEF6-404C-8D25-F994DF8E04B7}"/>
+                <a16:creationId xmlns:a16="http://schemas.microsoft.com/office/drawing/2014/main" id="{2DF606BF-DEF6-404C-8D25-F994DF8E04B7}"/>
               </a:ext>
             </a:extLst>
           </p:cNvPr>
@@ -5095,7 +5082,7 @@
           <p:cNvPr id="2" name="標題 1">
             <a:extLst>
               <a:ext uri="{FF2B5EF4-FFF2-40B4-BE49-F238E27FC236}">
-                <a16:creationId xmlns:a16="http://schemas.microsoft.com/office/drawing/2014/main" xmlns="" id="{9578F568-ABFC-2C4A-8D8D-963D8519D53F}"/>
+                <a16:creationId xmlns:a16="http://schemas.microsoft.com/office/drawing/2014/main" id="{9578F568-ABFC-2C4A-8D8D-963D8519D53F}"/>
               </a:ext>
             </a:extLst>
           </p:cNvPr>
@@ -5124,7 +5111,7 @@
           <p:cNvPr id="3" name="內容版面配置區 2">
             <a:extLst>
               <a:ext uri="{FF2B5EF4-FFF2-40B4-BE49-F238E27FC236}">
-                <a16:creationId xmlns:a16="http://schemas.microsoft.com/office/drawing/2014/main" xmlns="" id="{FF9C604E-F9EE-7142-BC75-4597B158D81B}"/>
+                <a16:creationId xmlns:a16="http://schemas.microsoft.com/office/drawing/2014/main" id="{FF9C604E-F9EE-7142-BC75-4597B158D81B}"/>
               </a:ext>
             </a:extLst>
           </p:cNvPr>
@@ -5223,7 +5210,7 @@
           <p:cNvPr id="2" name="標題 1">
             <a:extLst>
               <a:ext uri="{FF2B5EF4-FFF2-40B4-BE49-F238E27FC236}">
-                <a16:creationId xmlns:a16="http://schemas.microsoft.com/office/drawing/2014/main" xmlns="" id="{74F945E0-DDAC-6B40-ABE9-8343A61059A8}"/>
+                <a16:creationId xmlns:a16="http://schemas.microsoft.com/office/drawing/2014/main" id="{74F945E0-DDAC-6B40-ABE9-8343A61059A8}"/>
               </a:ext>
             </a:extLst>
           </p:cNvPr>
@@ -5252,7 +5239,7 @@
           <p:cNvPr id="3" name="內容版面配置區 2">
             <a:extLst>
               <a:ext uri="{FF2B5EF4-FFF2-40B4-BE49-F238E27FC236}">
-                <a16:creationId xmlns:a16="http://schemas.microsoft.com/office/drawing/2014/main" xmlns="" id="{BD1CEEDE-2C14-B247-8E4C-8B376B29F02D}"/>
+                <a16:creationId xmlns:a16="http://schemas.microsoft.com/office/drawing/2014/main" id="{BD1CEEDE-2C14-B247-8E4C-8B376B29F02D}"/>
               </a:ext>
             </a:extLst>
           </p:cNvPr>
@@ -5425,7 +5412,7 @@
           <p:cNvPr id="2" name="標題 1">
             <a:extLst>
               <a:ext uri="{FF2B5EF4-FFF2-40B4-BE49-F238E27FC236}">
-                <a16:creationId xmlns:a16="http://schemas.microsoft.com/office/drawing/2014/main" xmlns="" id="{74F945E0-DDAC-6B40-ABE9-8343A61059A8}"/>
+                <a16:creationId xmlns:a16="http://schemas.microsoft.com/office/drawing/2014/main" id="{74F945E0-DDAC-6B40-ABE9-8343A61059A8}"/>
               </a:ext>
             </a:extLst>
           </p:cNvPr>
@@ -5459,7 +5446,7 @@
           <p:cNvPr id="3" name="內容版面配置區 2">
             <a:extLst>
               <a:ext uri="{FF2B5EF4-FFF2-40B4-BE49-F238E27FC236}">
-                <a16:creationId xmlns:a16="http://schemas.microsoft.com/office/drawing/2014/main" xmlns="" id="{BD1CEEDE-2C14-B247-8E4C-8B376B29F02D}"/>
+                <a16:creationId xmlns:a16="http://schemas.microsoft.com/office/drawing/2014/main" id="{BD1CEEDE-2C14-B247-8E4C-8B376B29F02D}"/>
               </a:ext>
             </a:extLst>
           </p:cNvPr>
@@ -5513,7 +5500,7 @@
           <p:cNvPr id="4" name="內容版面配置區 2">
             <a:extLst>
               <a:ext uri="{FF2B5EF4-FFF2-40B4-BE49-F238E27FC236}">
-                <a16:creationId xmlns:a16="http://schemas.microsoft.com/office/drawing/2014/main" xmlns="" id="{0553C525-D18D-B940-98E7-9B0F0CB567F8}"/>
+                <a16:creationId xmlns:a16="http://schemas.microsoft.com/office/drawing/2014/main" id="{0553C525-D18D-B940-98E7-9B0F0CB567F8}"/>
               </a:ext>
             </a:extLst>
           </p:cNvPr>
@@ -5746,7 +5733,7 @@
           <p:cNvPr id="5" name="文字方塊 4">
             <a:extLst>
               <a:ext uri="{FF2B5EF4-FFF2-40B4-BE49-F238E27FC236}">
-                <a16:creationId xmlns:a16="http://schemas.microsoft.com/office/drawing/2014/main" xmlns="" id="{7DE9388A-3DA5-0E49-A45C-30B13BAE13A2}"/>
+                <a16:creationId xmlns:a16="http://schemas.microsoft.com/office/drawing/2014/main" id="{7DE9388A-3DA5-0E49-A45C-30B13BAE13A2}"/>
               </a:ext>
             </a:extLst>
           </p:cNvPr>
@@ -5778,7 +5765,7 @@
           <p:cNvPr id="6" name="內容版面配置區 2">
             <a:extLst>
               <a:ext uri="{FF2B5EF4-FFF2-40B4-BE49-F238E27FC236}">
-                <a16:creationId xmlns:a16="http://schemas.microsoft.com/office/drawing/2014/main" xmlns="" id="{BB34CEF2-613D-8D4C-857E-B9D70D0A8855}"/>
+                <a16:creationId xmlns:a16="http://schemas.microsoft.com/office/drawing/2014/main" id="{BB34CEF2-613D-8D4C-857E-B9D70D0A8855}"/>
               </a:ext>
             </a:extLst>
           </p:cNvPr>
@@ -6104,7 +6091,7 @@
           <p:cNvPr id="7" name="表格 6">
             <a:extLst>
               <a:ext uri="{FF2B5EF4-FFF2-40B4-BE49-F238E27FC236}">
-                <a16:creationId xmlns:a16="http://schemas.microsoft.com/office/drawing/2014/main" xmlns="" id="{3664F3FB-C347-1B4C-A14A-3FABF4514438}"/>
+                <a16:creationId xmlns:a16="http://schemas.microsoft.com/office/drawing/2014/main" id="{3664F3FB-C347-1B4C-A14A-3FABF4514438}"/>
               </a:ext>
             </a:extLst>
           </p:cNvPr>
@@ -6133,77 +6120,77 @@
                 <a:gridCol w="621703">
                   <a:extLst>
                     <a:ext uri="{9D8B030D-6E8A-4147-A177-3AD203B41FA5}">
-                      <a16:colId xmlns:a16="http://schemas.microsoft.com/office/drawing/2014/main" xmlns="" val="139011009"/>
+                      <a16:colId xmlns:a16="http://schemas.microsoft.com/office/drawing/2014/main" val="139011009"/>
                     </a:ext>
                   </a:extLst>
                 </a:gridCol>
                 <a:gridCol w="621703">
                   <a:extLst>
                     <a:ext uri="{9D8B030D-6E8A-4147-A177-3AD203B41FA5}">
-                      <a16:colId xmlns:a16="http://schemas.microsoft.com/office/drawing/2014/main" xmlns="" val="976296797"/>
+                      <a16:colId xmlns:a16="http://schemas.microsoft.com/office/drawing/2014/main" val="976296797"/>
                     </a:ext>
                   </a:extLst>
                 </a:gridCol>
                 <a:gridCol w="621703">
                   <a:extLst>
                     <a:ext uri="{9D8B030D-6E8A-4147-A177-3AD203B41FA5}">
-                      <a16:colId xmlns:a16="http://schemas.microsoft.com/office/drawing/2014/main" xmlns="" val="1145096426"/>
+                      <a16:colId xmlns:a16="http://schemas.microsoft.com/office/drawing/2014/main" val="1145096426"/>
                     </a:ext>
                   </a:extLst>
                 </a:gridCol>
                 <a:gridCol w="621703">
                   <a:extLst>
                     <a:ext uri="{9D8B030D-6E8A-4147-A177-3AD203B41FA5}">
-                      <a16:colId xmlns:a16="http://schemas.microsoft.com/office/drawing/2014/main" xmlns="" val="329156322"/>
+                      <a16:colId xmlns:a16="http://schemas.microsoft.com/office/drawing/2014/main" val="329156322"/>
                     </a:ext>
                   </a:extLst>
                 </a:gridCol>
                 <a:gridCol w="621703">
                   <a:extLst>
                     <a:ext uri="{9D8B030D-6E8A-4147-A177-3AD203B41FA5}">
-                      <a16:colId xmlns:a16="http://schemas.microsoft.com/office/drawing/2014/main" xmlns="" val="3438043448"/>
+                      <a16:colId xmlns:a16="http://schemas.microsoft.com/office/drawing/2014/main" val="3438043448"/>
                     </a:ext>
                   </a:extLst>
                 </a:gridCol>
                 <a:gridCol w="621703">
                   <a:extLst>
                     <a:ext uri="{9D8B030D-6E8A-4147-A177-3AD203B41FA5}">
-                      <a16:colId xmlns:a16="http://schemas.microsoft.com/office/drawing/2014/main" xmlns="" val="1912646908"/>
+                      <a16:colId xmlns:a16="http://schemas.microsoft.com/office/drawing/2014/main" val="1912646908"/>
                     </a:ext>
                   </a:extLst>
                 </a:gridCol>
                 <a:gridCol w="621703">
                   <a:extLst>
                     <a:ext uri="{9D8B030D-6E8A-4147-A177-3AD203B41FA5}">
-                      <a16:colId xmlns:a16="http://schemas.microsoft.com/office/drawing/2014/main" xmlns="" val="2637768679"/>
+                      <a16:colId xmlns:a16="http://schemas.microsoft.com/office/drawing/2014/main" val="2637768679"/>
                     </a:ext>
                   </a:extLst>
                 </a:gridCol>
                 <a:gridCol w="621703">
                   <a:extLst>
                     <a:ext uri="{9D8B030D-6E8A-4147-A177-3AD203B41FA5}">
-                      <a16:colId xmlns:a16="http://schemas.microsoft.com/office/drawing/2014/main" xmlns="" val="3562849254"/>
+                      <a16:colId xmlns:a16="http://schemas.microsoft.com/office/drawing/2014/main" val="3562849254"/>
                     </a:ext>
                   </a:extLst>
                 </a:gridCol>
                 <a:gridCol w="621703">
                   <a:extLst>
                     <a:ext uri="{9D8B030D-6E8A-4147-A177-3AD203B41FA5}">
-                      <a16:colId xmlns:a16="http://schemas.microsoft.com/office/drawing/2014/main" xmlns="" val="3967305946"/>
+                      <a16:colId xmlns:a16="http://schemas.microsoft.com/office/drawing/2014/main" val="3967305946"/>
                     </a:ext>
                   </a:extLst>
                 </a:gridCol>
                 <a:gridCol w="621703">
                   <a:extLst>
                     <a:ext uri="{9D8B030D-6E8A-4147-A177-3AD203B41FA5}">
-                      <a16:colId xmlns:a16="http://schemas.microsoft.com/office/drawing/2014/main" xmlns="" val="3692707177"/>
+                      <a16:colId xmlns:a16="http://schemas.microsoft.com/office/drawing/2014/main" val="3692707177"/>
                     </a:ext>
                   </a:extLst>
                 </a:gridCol>
                 <a:gridCol w="621703">
                   <a:extLst>
                     <a:ext uri="{9D8B030D-6E8A-4147-A177-3AD203B41FA5}">
-                      <a16:colId xmlns:a16="http://schemas.microsoft.com/office/drawing/2014/main" xmlns="" val="459214580"/>
+                      <a16:colId xmlns:a16="http://schemas.microsoft.com/office/drawing/2014/main" val="459214580"/>
                     </a:ext>
                   </a:extLst>
                 </a:gridCol>
@@ -6915,7 +6902,7 @@
                 </a:tc>
                 <a:extLst>
                   <a:ext uri="{0D108BD9-81ED-4DB2-BD59-A6C34878D82A}">
-                    <a16:rowId xmlns:a16="http://schemas.microsoft.com/office/drawing/2014/main" xmlns="" val="2732495129"/>
+                    <a16:rowId xmlns:a16="http://schemas.microsoft.com/office/drawing/2014/main" val="2732495129"/>
                   </a:ext>
                 </a:extLst>
               </a:tr>
@@ -6928,7 +6915,7 @@
           <p:cNvPr id="8" name="表格 7">
             <a:extLst>
               <a:ext uri="{FF2B5EF4-FFF2-40B4-BE49-F238E27FC236}">
-                <a16:creationId xmlns:a16="http://schemas.microsoft.com/office/drawing/2014/main" xmlns="" id="{DF4D3680-4FB2-904A-9499-B6867E953C71}"/>
+                <a16:creationId xmlns:a16="http://schemas.microsoft.com/office/drawing/2014/main" id="{DF4D3680-4FB2-904A-9499-B6867E953C71}"/>
               </a:ext>
             </a:extLst>
           </p:cNvPr>
@@ -6957,77 +6944,77 @@
                 <a:gridCol w="621703">
                   <a:extLst>
                     <a:ext uri="{9D8B030D-6E8A-4147-A177-3AD203B41FA5}">
-                      <a16:colId xmlns:a16="http://schemas.microsoft.com/office/drawing/2014/main" xmlns="" val="139011009"/>
+                      <a16:colId xmlns:a16="http://schemas.microsoft.com/office/drawing/2014/main" val="139011009"/>
                     </a:ext>
                   </a:extLst>
                 </a:gridCol>
                 <a:gridCol w="621703">
                   <a:extLst>
                     <a:ext uri="{9D8B030D-6E8A-4147-A177-3AD203B41FA5}">
-                      <a16:colId xmlns:a16="http://schemas.microsoft.com/office/drawing/2014/main" xmlns="" val="976296797"/>
+                      <a16:colId xmlns:a16="http://schemas.microsoft.com/office/drawing/2014/main" val="976296797"/>
                     </a:ext>
                   </a:extLst>
                 </a:gridCol>
                 <a:gridCol w="621703">
                   <a:extLst>
                     <a:ext uri="{9D8B030D-6E8A-4147-A177-3AD203B41FA5}">
-                      <a16:colId xmlns:a16="http://schemas.microsoft.com/office/drawing/2014/main" xmlns="" val="1145096426"/>
+                      <a16:colId xmlns:a16="http://schemas.microsoft.com/office/drawing/2014/main" val="1145096426"/>
                     </a:ext>
                   </a:extLst>
                 </a:gridCol>
                 <a:gridCol w="621703">
                   <a:extLst>
                     <a:ext uri="{9D8B030D-6E8A-4147-A177-3AD203B41FA5}">
-                      <a16:colId xmlns:a16="http://schemas.microsoft.com/office/drawing/2014/main" xmlns="" val="329156322"/>
+                      <a16:colId xmlns:a16="http://schemas.microsoft.com/office/drawing/2014/main" val="329156322"/>
                     </a:ext>
                   </a:extLst>
                 </a:gridCol>
                 <a:gridCol w="621703">
                   <a:extLst>
                     <a:ext uri="{9D8B030D-6E8A-4147-A177-3AD203B41FA5}">
-                      <a16:colId xmlns:a16="http://schemas.microsoft.com/office/drawing/2014/main" xmlns="" val="3438043448"/>
+                      <a16:colId xmlns:a16="http://schemas.microsoft.com/office/drawing/2014/main" val="3438043448"/>
                     </a:ext>
                   </a:extLst>
                 </a:gridCol>
                 <a:gridCol w="621703">
                   <a:extLst>
                     <a:ext uri="{9D8B030D-6E8A-4147-A177-3AD203B41FA5}">
-                      <a16:colId xmlns:a16="http://schemas.microsoft.com/office/drawing/2014/main" xmlns="" val="1912646908"/>
+                      <a16:colId xmlns:a16="http://schemas.microsoft.com/office/drawing/2014/main" val="1912646908"/>
                     </a:ext>
                   </a:extLst>
                 </a:gridCol>
                 <a:gridCol w="621703">
                   <a:extLst>
                     <a:ext uri="{9D8B030D-6E8A-4147-A177-3AD203B41FA5}">
-                      <a16:colId xmlns:a16="http://schemas.microsoft.com/office/drawing/2014/main" xmlns="" val="2637768679"/>
+                      <a16:colId xmlns:a16="http://schemas.microsoft.com/office/drawing/2014/main" val="2637768679"/>
                     </a:ext>
                   </a:extLst>
                 </a:gridCol>
                 <a:gridCol w="621703">
                   <a:extLst>
                     <a:ext uri="{9D8B030D-6E8A-4147-A177-3AD203B41FA5}">
-                      <a16:colId xmlns:a16="http://schemas.microsoft.com/office/drawing/2014/main" xmlns="" val="3562849254"/>
+                      <a16:colId xmlns:a16="http://schemas.microsoft.com/office/drawing/2014/main" val="3562849254"/>
                     </a:ext>
                   </a:extLst>
                 </a:gridCol>
                 <a:gridCol w="621703">
                   <a:extLst>
                     <a:ext uri="{9D8B030D-6E8A-4147-A177-3AD203B41FA5}">
-                      <a16:colId xmlns:a16="http://schemas.microsoft.com/office/drawing/2014/main" xmlns="" val="3967305946"/>
+                      <a16:colId xmlns:a16="http://schemas.microsoft.com/office/drawing/2014/main" val="3967305946"/>
                     </a:ext>
                   </a:extLst>
                 </a:gridCol>
                 <a:gridCol w="621703">
                   <a:extLst>
                     <a:ext uri="{9D8B030D-6E8A-4147-A177-3AD203B41FA5}">
-                      <a16:colId xmlns:a16="http://schemas.microsoft.com/office/drawing/2014/main" xmlns="" val="3692707177"/>
+                      <a16:colId xmlns:a16="http://schemas.microsoft.com/office/drawing/2014/main" val="3692707177"/>
                     </a:ext>
                   </a:extLst>
                 </a:gridCol>
                 <a:gridCol w="621703">
                   <a:extLst>
                     <a:ext uri="{9D8B030D-6E8A-4147-A177-3AD203B41FA5}">
-                      <a16:colId xmlns:a16="http://schemas.microsoft.com/office/drawing/2014/main" xmlns="" val="459214580"/>
+                      <a16:colId xmlns:a16="http://schemas.microsoft.com/office/drawing/2014/main" val="459214580"/>
                     </a:ext>
                   </a:extLst>
                 </a:gridCol>
@@ -7719,7 +7706,7 @@
                 </a:tc>
                 <a:extLst>
                   <a:ext uri="{0D108BD9-81ED-4DB2-BD59-A6C34878D82A}">
-                    <a16:rowId xmlns:a16="http://schemas.microsoft.com/office/drawing/2014/main" xmlns="" val="2732495129"/>
+                    <a16:rowId xmlns:a16="http://schemas.microsoft.com/office/drawing/2014/main" val="2732495129"/>
                   </a:ext>
                 </a:extLst>
               </a:tr>
@@ -7732,7 +7719,7 @@
           <p:cNvPr id="9" name="表格 8">
             <a:extLst>
               <a:ext uri="{FF2B5EF4-FFF2-40B4-BE49-F238E27FC236}">
-                <a16:creationId xmlns:a16="http://schemas.microsoft.com/office/drawing/2014/main" xmlns="" id="{485BDBF1-4146-7A4A-BB05-D3E8944147A2}"/>
+                <a16:creationId xmlns:a16="http://schemas.microsoft.com/office/drawing/2014/main" id="{485BDBF1-4146-7A4A-BB05-D3E8944147A2}"/>
               </a:ext>
             </a:extLst>
           </p:cNvPr>
@@ -7761,77 +7748,77 @@
                 <a:gridCol w="621703">
                   <a:extLst>
                     <a:ext uri="{9D8B030D-6E8A-4147-A177-3AD203B41FA5}">
-                      <a16:colId xmlns:a16="http://schemas.microsoft.com/office/drawing/2014/main" xmlns="" val="139011009"/>
+                      <a16:colId xmlns:a16="http://schemas.microsoft.com/office/drawing/2014/main" val="139011009"/>
                     </a:ext>
                   </a:extLst>
                 </a:gridCol>
                 <a:gridCol w="621703">
                   <a:extLst>
                     <a:ext uri="{9D8B030D-6E8A-4147-A177-3AD203B41FA5}">
-                      <a16:colId xmlns:a16="http://schemas.microsoft.com/office/drawing/2014/main" xmlns="" val="976296797"/>
+                      <a16:colId xmlns:a16="http://schemas.microsoft.com/office/drawing/2014/main" val="976296797"/>
                     </a:ext>
                   </a:extLst>
                 </a:gridCol>
                 <a:gridCol w="621703">
                   <a:extLst>
                     <a:ext uri="{9D8B030D-6E8A-4147-A177-3AD203B41FA5}">
-                      <a16:colId xmlns:a16="http://schemas.microsoft.com/office/drawing/2014/main" xmlns="" val="1145096426"/>
+                      <a16:colId xmlns:a16="http://schemas.microsoft.com/office/drawing/2014/main" val="1145096426"/>
                     </a:ext>
                   </a:extLst>
                 </a:gridCol>
                 <a:gridCol w="621703">
                   <a:extLst>
                     <a:ext uri="{9D8B030D-6E8A-4147-A177-3AD203B41FA5}">
-                      <a16:colId xmlns:a16="http://schemas.microsoft.com/office/drawing/2014/main" xmlns="" val="329156322"/>
+                      <a16:colId xmlns:a16="http://schemas.microsoft.com/office/drawing/2014/main" val="329156322"/>
                     </a:ext>
                   </a:extLst>
                 </a:gridCol>
                 <a:gridCol w="621703">
                   <a:extLst>
                     <a:ext uri="{9D8B030D-6E8A-4147-A177-3AD203B41FA5}">
-                      <a16:colId xmlns:a16="http://schemas.microsoft.com/office/drawing/2014/main" xmlns="" val="3438043448"/>
+                      <a16:colId xmlns:a16="http://schemas.microsoft.com/office/drawing/2014/main" val="3438043448"/>
                     </a:ext>
                   </a:extLst>
                 </a:gridCol>
                 <a:gridCol w="621703">
                   <a:extLst>
                     <a:ext uri="{9D8B030D-6E8A-4147-A177-3AD203B41FA5}">
-                      <a16:colId xmlns:a16="http://schemas.microsoft.com/office/drawing/2014/main" xmlns="" val="1912646908"/>
+                      <a16:colId xmlns:a16="http://schemas.microsoft.com/office/drawing/2014/main" val="1912646908"/>
                     </a:ext>
                   </a:extLst>
                 </a:gridCol>
                 <a:gridCol w="621703">
                   <a:extLst>
                     <a:ext uri="{9D8B030D-6E8A-4147-A177-3AD203B41FA5}">
-                      <a16:colId xmlns:a16="http://schemas.microsoft.com/office/drawing/2014/main" xmlns="" val="2637768679"/>
+                      <a16:colId xmlns:a16="http://schemas.microsoft.com/office/drawing/2014/main" val="2637768679"/>
                     </a:ext>
                   </a:extLst>
                 </a:gridCol>
                 <a:gridCol w="621703">
                   <a:extLst>
                     <a:ext uri="{9D8B030D-6E8A-4147-A177-3AD203B41FA5}">
-                      <a16:colId xmlns:a16="http://schemas.microsoft.com/office/drawing/2014/main" xmlns="" val="3562849254"/>
+                      <a16:colId xmlns:a16="http://schemas.microsoft.com/office/drawing/2014/main" val="3562849254"/>
                     </a:ext>
                   </a:extLst>
                 </a:gridCol>
                 <a:gridCol w="621703">
                   <a:extLst>
                     <a:ext uri="{9D8B030D-6E8A-4147-A177-3AD203B41FA5}">
-                      <a16:colId xmlns:a16="http://schemas.microsoft.com/office/drawing/2014/main" xmlns="" val="3967305946"/>
+                      <a16:colId xmlns:a16="http://schemas.microsoft.com/office/drawing/2014/main" val="3967305946"/>
                     </a:ext>
                   </a:extLst>
                 </a:gridCol>
                 <a:gridCol w="621703">
                   <a:extLst>
                     <a:ext uri="{9D8B030D-6E8A-4147-A177-3AD203B41FA5}">
-                      <a16:colId xmlns:a16="http://schemas.microsoft.com/office/drawing/2014/main" xmlns="" val="3692707177"/>
+                      <a16:colId xmlns:a16="http://schemas.microsoft.com/office/drawing/2014/main" val="3692707177"/>
                     </a:ext>
                   </a:extLst>
                 </a:gridCol>
                 <a:gridCol w="621703">
                   <a:extLst>
                     <a:ext uri="{9D8B030D-6E8A-4147-A177-3AD203B41FA5}">
-                      <a16:colId xmlns:a16="http://schemas.microsoft.com/office/drawing/2014/main" xmlns="" val="459214580"/>
+                      <a16:colId xmlns:a16="http://schemas.microsoft.com/office/drawing/2014/main" val="459214580"/>
                     </a:ext>
                   </a:extLst>
                 </a:gridCol>
@@ -8507,7 +8494,7 @@
                 </a:tc>
                 <a:extLst>
                   <a:ext uri="{0D108BD9-81ED-4DB2-BD59-A6C34878D82A}">
-                    <a16:rowId xmlns:a16="http://schemas.microsoft.com/office/drawing/2014/main" xmlns="" val="2732495129"/>
+                    <a16:rowId xmlns:a16="http://schemas.microsoft.com/office/drawing/2014/main" val="2732495129"/>
                   </a:ext>
                 </a:extLst>
               </a:tr>
@@ -8520,7 +8507,7 @@
           <p:cNvPr id="10" name="表格 9">
             <a:extLst>
               <a:ext uri="{FF2B5EF4-FFF2-40B4-BE49-F238E27FC236}">
-                <a16:creationId xmlns:a16="http://schemas.microsoft.com/office/drawing/2014/main" xmlns="" id="{3229F96A-618D-BE44-A6F5-285156418CEB}"/>
+                <a16:creationId xmlns:a16="http://schemas.microsoft.com/office/drawing/2014/main" id="{3229F96A-618D-BE44-A6F5-285156418CEB}"/>
               </a:ext>
             </a:extLst>
           </p:cNvPr>
@@ -8549,77 +8536,77 @@
                 <a:gridCol w="621703">
                   <a:extLst>
                     <a:ext uri="{9D8B030D-6E8A-4147-A177-3AD203B41FA5}">
-                      <a16:colId xmlns:a16="http://schemas.microsoft.com/office/drawing/2014/main" xmlns="" val="139011009"/>
+                      <a16:colId xmlns:a16="http://schemas.microsoft.com/office/drawing/2014/main" val="139011009"/>
                     </a:ext>
                   </a:extLst>
                 </a:gridCol>
                 <a:gridCol w="621703">
                   <a:extLst>
                     <a:ext uri="{9D8B030D-6E8A-4147-A177-3AD203B41FA5}">
-                      <a16:colId xmlns:a16="http://schemas.microsoft.com/office/drawing/2014/main" xmlns="" val="976296797"/>
+                      <a16:colId xmlns:a16="http://schemas.microsoft.com/office/drawing/2014/main" val="976296797"/>
                     </a:ext>
                   </a:extLst>
                 </a:gridCol>
                 <a:gridCol w="621703">
                   <a:extLst>
                     <a:ext uri="{9D8B030D-6E8A-4147-A177-3AD203B41FA5}">
-                      <a16:colId xmlns:a16="http://schemas.microsoft.com/office/drawing/2014/main" xmlns="" val="1145096426"/>
+                      <a16:colId xmlns:a16="http://schemas.microsoft.com/office/drawing/2014/main" val="1145096426"/>
                     </a:ext>
                   </a:extLst>
                 </a:gridCol>
                 <a:gridCol w="621703">
                   <a:extLst>
                     <a:ext uri="{9D8B030D-6E8A-4147-A177-3AD203B41FA5}">
-                      <a16:colId xmlns:a16="http://schemas.microsoft.com/office/drawing/2014/main" xmlns="" val="329156322"/>
+                      <a16:colId xmlns:a16="http://schemas.microsoft.com/office/drawing/2014/main" val="329156322"/>
                     </a:ext>
                   </a:extLst>
                 </a:gridCol>
                 <a:gridCol w="621703">
                   <a:extLst>
                     <a:ext uri="{9D8B030D-6E8A-4147-A177-3AD203B41FA5}">
-                      <a16:colId xmlns:a16="http://schemas.microsoft.com/office/drawing/2014/main" xmlns="" val="3438043448"/>
+                      <a16:colId xmlns:a16="http://schemas.microsoft.com/office/drawing/2014/main" val="3438043448"/>
                     </a:ext>
                   </a:extLst>
                 </a:gridCol>
                 <a:gridCol w="621703">
                   <a:extLst>
                     <a:ext uri="{9D8B030D-6E8A-4147-A177-3AD203B41FA5}">
-                      <a16:colId xmlns:a16="http://schemas.microsoft.com/office/drawing/2014/main" xmlns="" val="1912646908"/>
+                      <a16:colId xmlns:a16="http://schemas.microsoft.com/office/drawing/2014/main" val="1912646908"/>
                     </a:ext>
                   </a:extLst>
                 </a:gridCol>
                 <a:gridCol w="621703">
                   <a:extLst>
                     <a:ext uri="{9D8B030D-6E8A-4147-A177-3AD203B41FA5}">
-                      <a16:colId xmlns:a16="http://schemas.microsoft.com/office/drawing/2014/main" xmlns="" val="2637768679"/>
+                      <a16:colId xmlns:a16="http://schemas.microsoft.com/office/drawing/2014/main" val="2637768679"/>
                     </a:ext>
                   </a:extLst>
                 </a:gridCol>
                 <a:gridCol w="621703">
                   <a:extLst>
                     <a:ext uri="{9D8B030D-6E8A-4147-A177-3AD203B41FA5}">
-                      <a16:colId xmlns:a16="http://schemas.microsoft.com/office/drawing/2014/main" xmlns="" val="3562849254"/>
+                      <a16:colId xmlns:a16="http://schemas.microsoft.com/office/drawing/2014/main" val="3562849254"/>
                     </a:ext>
                   </a:extLst>
                 </a:gridCol>
                 <a:gridCol w="621703">
                   <a:extLst>
                     <a:ext uri="{9D8B030D-6E8A-4147-A177-3AD203B41FA5}">
-                      <a16:colId xmlns:a16="http://schemas.microsoft.com/office/drawing/2014/main" xmlns="" val="3967305946"/>
+                      <a16:colId xmlns:a16="http://schemas.microsoft.com/office/drawing/2014/main" val="3967305946"/>
                     </a:ext>
                   </a:extLst>
                 </a:gridCol>
                 <a:gridCol w="621703">
                   <a:extLst>
                     <a:ext uri="{9D8B030D-6E8A-4147-A177-3AD203B41FA5}">
-                      <a16:colId xmlns:a16="http://schemas.microsoft.com/office/drawing/2014/main" xmlns="" val="3692707177"/>
+                      <a16:colId xmlns:a16="http://schemas.microsoft.com/office/drawing/2014/main" val="3692707177"/>
                     </a:ext>
                   </a:extLst>
                 </a:gridCol>
                 <a:gridCol w="621703">
                   <a:extLst>
                     <a:ext uri="{9D8B030D-6E8A-4147-A177-3AD203B41FA5}">
-                      <a16:colId xmlns:a16="http://schemas.microsoft.com/office/drawing/2014/main" xmlns="" val="459214580"/>
+                      <a16:colId xmlns:a16="http://schemas.microsoft.com/office/drawing/2014/main" val="459214580"/>
                     </a:ext>
                   </a:extLst>
                 </a:gridCol>
@@ -9291,7 +9278,7 @@
                 </a:tc>
                 <a:extLst>
                   <a:ext uri="{0D108BD9-81ED-4DB2-BD59-A6C34878D82A}">
-                    <a16:rowId xmlns:a16="http://schemas.microsoft.com/office/drawing/2014/main" xmlns="" val="2732495129"/>
+                    <a16:rowId xmlns:a16="http://schemas.microsoft.com/office/drawing/2014/main" val="2732495129"/>
                   </a:ext>
                 </a:extLst>
               </a:tr>
@@ -9304,7 +9291,7 @@
           <p:cNvPr id="11" name="文字方塊 10">
             <a:extLst>
               <a:ext uri="{FF2B5EF4-FFF2-40B4-BE49-F238E27FC236}">
-                <a16:creationId xmlns:a16="http://schemas.microsoft.com/office/drawing/2014/main" xmlns="" id="{510493AE-8D34-904A-BC99-6A453E93845F}"/>
+                <a16:creationId xmlns:a16="http://schemas.microsoft.com/office/drawing/2014/main" id="{510493AE-8D34-904A-BC99-6A453E93845F}"/>
               </a:ext>
             </a:extLst>
           </p:cNvPr>
@@ -9339,7 +9326,7 @@
           <p:cNvPr id="12" name="群組 11">
             <a:extLst>
               <a:ext uri="{FF2B5EF4-FFF2-40B4-BE49-F238E27FC236}">
-                <a16:creationId xmlns:a16="http://schemas.microsoft.com/office/drawing/2014/main" xmlns="" id="{B8F984BD-49CF-7F4B-8698-7A12C9068419}"/>
+                <a16:creationId xmlns:a16="http://schemas.microsoft.com/office/drawing/2014/main" id="{B8F984BD-49CF-7F4B-8698-7A12C9068419}"/>
               </a:ext>
             </a:extLst>
           </p:cNvPr>
@@ -9360,7 +9347,7 @@
             <p:cNvPr id="13" name="文字方塊 12">
               <a:extLst>
                 <a:ext uri="{FF2B5EF4-FFF2-40B4-BE49-F238E27FC236}">
-                  <a16:creationId xmlns:a16="http://schemas.microsoft.com/office/drawing/2014/main" xmlns="" id="{B685AF45-7CE9-174F-AFDA-3969C1769529}"/>
+                  <a16:creationId xmlns:a16="http://schemas.microsoft.com/office/drawing/2014/main" id="{B685AF45-7CE9-174F-AFDA-3969C1769529}"/>
                 </a:ext>
               </a:extLst>
             </p:cNvPr>
@@ -9396,7 +9383,7 @@
             <p:cNvPr id="14" name="文字方塊 13">
               <a:extLst>
                 <a:ext uri="{FF2B5EF4-FFF2-40B4-BE49-F238E27FC236}">
-                  <a16:creationId xmlns:a16="http://schemas.microsoft.com/office/drawing/2014/main" xmlns="" id="{210797FD-2CB3-C54A-AA02-94FCF3A0A53C}"/>
+                  <a16:creationId xmlns:a16="http://schemas.microsoft.com/office/drawing/2014/main" id="{210797FD-2CB3-C54A-AA02-94FCF3A0A53C}"/>
                 </a:ext>
               </a:extLst>
             </p:cNvPr>
@@ -9431,7 +9418,7 @@
             <p:cNvPr id="15" name="文字方塊 14">
               <a:extLst>
                 <a:ext uri="{FF2B5EF4-FFF2-40B4-BE49-F238E27FC236}">
-                  <a16:creationId xmlns:a16="http://schemas.microsoft.com/office/drawing/2014/main" xmlns="" id="{EBC7B96D-EF87-B94E-B2AA-B1F1AF663EA4}"/>
+                  <a16:creationId xmlns:a16="http://schemas.microsoft.com/office/drawing/2014/main" id="{EBC7B96D-EF87-B94E-B2AA-B1F1AF663EA4}"/>
                 </a:ext>
               </a:extLst>
             </p:cNvPr>
@@ -9467,7 +9454,7 @@
             <p:cNvPr id="16" name="文字方塊 15">
               <a:extLst>
                 <a:ext uri="{FF2B5EF4-FFF2-40B4-BE49-F238E27FC236}">
-                  <a16:creationId xmlns:a16="http://schemas.microsoft.com/office/drawing/2014/main" xmlns="" id="{E9AE0FC9-B49F-A34C-9354-F59ECA4CD464}"/>
+                  <a16:creationId xmlns:a16="http://schemas.microsoft.com/office/drawing/2014/main" id="{E9AE0FC9-B49F-A34C-9354-F59ECA4CD464}"/>
                 </a:ext>
               </a:extLst>
             </p:cNvPr>
@@ -9504,7 +9491,7 @@
           <p:cNvPr id="17" name="群組 16">
             <a:extLst>
               <a:ext uri="{FF2B5EF4-FFF2-40B4-BE49-F238E27FC236}">
-                <a16:creationId xmlns:a16="http://schemas.microsoft.com/office/drawing/2014/main" xmlns="" id="{5BB6D310-C465-7846-A2AF-FC8A244944E7}"/>
+                <a16:creationId xmlns:a16="http://schemas.microsoft.com/office/drawing/2014/main" id="{5BB6D310-C465-7846-A2AF-FC8A244944E7}"/>
               </a:ext>
             </a:extLst>
           </p:cNvPr>
@@ -9525,7 +9512,7 @@
             <p:cNvPr id="18" name="文字方塊 17">
               <a:extLst>
                 <a:ext uri="{FF2B5EF4-FFF2-40B4-BE49-F238E27FC236}">
-                  <a16:creationId xmlns:a16="http://schemas.microsoft.com/office/drawing/2014/main" xmlns="" id="{B7815901-3D9B-6343-A3CC-27031DF4CEE1}"/>
+                  <a16:creationId xmlns:a16="http://schemas.microsoft.com/office/drawing/2014/main" id="{B7815901-3D9B-6343-A3CC-27031DF4CEE1}"/>
                 </a:ext>
               </a:extLst>
             </p:cNvPr>
@@ -9561,7 +9548,7 @@
             <p:cNvPr id="19" name="文字方塊 18">
               <a:extLst>
                 <a:ext uri="{FF2B5EF4-FFF2-40B4-BE49-F238E27FC236}">
-                  <a16:creationId xmlns:a16="http://schemas.microsoft.com/office/drawing/2014/main" xmlns="" id="{07E20821-4B0A-1342-A6FE-352EB0046878}"/>
+                  <a16:creationId xmlns:a16="http://schemas.microsoft.com/office/drawing/2014/main" id="{07E20821-4B0A-1342-A6FE-352EB0046878}"/>
                 </a:ext>
               </a:extLst>
             </p:cNvPr>
@@ -9596,7 +9583,7 @@
             <p:cNvPr id="20" name="文字方塊 19">
               <a:extLst>
                 <a:ext uri="{FF2B5EF4-FFF2-40B4-BE49-F238E27FC236}">
-                  <a16:creationId xmlns:a16="http://schemas.microsoft.com/office/drawing/2014/main" xmlns="" id="{40CB5173-44DF-7045-B4BC-3DEAA6374802}"/>
+                  <a16:creationId xmlns:a16="http://schemas.microsoft.com/office/drawing/2014/main" id="{40CB5173-44DF-7045-B4BC-3DEAA6374802}"/>
                 </a:ext>
               </a:extLst>
             </p:cNvPr>
@@ -9632,7 +9619,7 @@
             <p:cNvPr id="21" name="文字方塊 20">
               <a:extLst>
                 <a:ext uri="{FF2B5EF4-FFF2-40B4-BE49-F238E27FC236}">
-                  <a16:creationId xmlns:a16="http://schemas.microsoft.com/office/drawing/2014/main" xmlns="" id="{1A937B2E-9D10-924B-A1E5-E2C3D1F36B72}"/>
+                  <a16:creationId xmlns:a16="http://schemas.microsoft.com/office/drawing/2014/main" id="{1A937B2E-9D10-924B-A1E5-E2C3D1F36B72}"/>
                 </a:ext>
               </a:extLst>
             </p:cNvPr>
@@ -9669,7 +9656,7 @@
           <p:cNvPr id="22" name="群組 21">
             <a:extLst>
               <a:ext uri="{FF2B5EF4-FFF2-40B4-BE49-F238E27FC236}">
-                <a16:creationId xmlns:a16="http://schemas.microsoft.com/office/drawing/2014/main" xmlns="" id="{CB50D48D-22CA-E442-B3EE-8323235492BE}"/>
+                <a16:creationId xmlns:a16="http://schemas.microsoft.com/office/drawing/2014/main" id="{CB50D48D-22CA-E442-B3EE-8323235492BE}"/>
               </a:ext>
             </a:extLst>
           </p:cNvPr>
@@ -9690,7 +9677,7 @@
             <p:cNvPr id="23" name="文字方塊 22">
               <a:extLst>
                 <a:ext uri="{FF2B5EF4-FFF2-40B4-BE49-F238E27FC236}">
-                  <a16:creationId xmlns:a16="http://schemas.microsoft.com/office/drawing/2014/main" xmlns="" id="{8AAB1C07-4554-7E40-B881-16DC43881CD5}"/>
+                  <a16:creationId xmlns:a16="http://schemas.microsoft.com/office/drawing/2014/main" id="{8AAB1C07-4554-7E40-B881-16DC43881CD5}"/>
                 </a:ext>
               </a:extLst>
             </p:cNvPr>
@@ -9725,7 +9712,7 @@
             <p:cNvPr id="24" name="群組 23">
               <a:extLst>
                 <a:ext uri="{FF2B5EF4-FFF2-40B4-BE49-F238E27FC236}">
-                  <a16:creationId xmlns:a16="http://schemas.microsoft.com/office/drawing/2014/main" xmlns="" id="{486AA4DC-8B4E-5549-B409-4C8A3844C03B}"/>
+                  <a16:creationId xmlns:a16="http://schemas.microsoft.com/office/drawing/2014/main" id="{486AA4DC-8B4E-5549-B409-4C8A3844C03B}"/>
                 </a:ext>
               </a:extLst>
             </p:cNvPr>
@@ -9746,7 +9733,7 @@
               <p:cNvPr id="62" name="群組 61">
                 <a:extLst>
                   <a:ext uri="{FF2B5EF4-FFF2-40B4-BE49-F238E27FC236}">
-                    <a16:creationId xmlns:a16="http://schemas.microsoft.com/office/drawing/2014/main" xmlns="" id="{724B82ED-A38B-A44B-BB90-165C50DC5187}"/>
+                    <a16:creationId xmlns:a16="http://schemas.microsoft.com/office/drawing/2014/main" id="{724B82ED-A38B-A44B-BB90-165C50DC5187}"/>
                   </a:ext>
                 </a:extLst>
               </p:cNvPr>
@@ -9767,7 +9754,7 @@
                 <p:cNvPr id="68" name="文字方塊 67">
                   <a:extLst>
                     <a:ext uri="{FF2B5EF4-FFF2-40B4-BE49-F238E27FC236}">
-                      <a16:creationId xmlns:a16="http://schemas.microsoft.com/office/drawing/2014/main" xmlns="" id="{6DBE6296-1438-5040-94F6-0FFDBB4C01EB}"/>
+                      <a16:creationId xmlns:a16="http://schemas.microsoft.com/office/drawing/2014/main" id="{6DBE6296-1438-5040-94F6-0FFDBB4C01EB}"/>
                     </a:ext>
                   </a:extLst>
                 </p:cNvPr>
@@ -9803,7 +9790,7 @@
                 <p:cNvPr id="69" name="文字方塊 68">
                   <a:extLst>
                     <a:ext uri="{FF2B5EF4-FFF2-40B4-BE49-F238E27FC236}">
-                      <a16:creationId xmlns:a16="http://schemas.microsoft.com/office/drawing/2014/main" xmlns="" id="{42EDF1AD-6C89-2F40-883D-38F65E8733A8}"/>
+                      <a16:creationId xmlns:a16="http://schemas.microsoft.com/office/drawing/2014/main" id="{42EDF1AD-6C89-2F40-883D-38F65E8733A8}"/>
                     </a:ext>
                   </a:extLst>
                 </p:cNvPr>
@@ -9839,7 +9826,7 @@
                 <p:cNvPr id="70" name="文字方塊 69">
                   <a:extLst>
                     <a:ext uri="{FF2B5EF4-FFF2-40B4-BE49-F238E27FC236}">
-                      <a16:creationId xmlns:a16="http://schemas.microsoft.com/office/drawing/2014/main" xmlns="" id="{84659DD1-F780-B14F-A72D-E4E9BAE6F9B2}"/>
+                      <a16:creationId xmlns:a16="http://schemas.microsoft.com/office/drawing/2014/main" id="{84659DD1-F780-B14F-A72D-E4E9BAE6F9B2}"/>
                     </a:ext>
                   </a:extLst>
                 </p:cNvPr>
@@ -9875,7 +9862,7 @@
                 <p:cNvPr id="71" name="文字方塊 70">
                   <a:extLst>
                     <a:ext uri="{FF2B5EF4-FFF2-40B4-BE49-F238E27FC236}">
-                      <a16:creationId xmlns:a16="http://schemas.microsoft.com/office/drawing/2014/main" xmlns="" id="{387AE152-2205-4C4E-A9AB-0A5E6C2CC326}"/>
+                      <a16:creationId xmlns:a16="http://schemas.microsoft.com/office/drawing/2014/main" id="{387AE152-2205-4C4E-A9AB-0A5E6C2CC326}"/>
                     </a:ext>
                   </a:extLst>
                 </p:cNvPr>
@@ -9912,7 +9899,7 @@
               <p:cNvPr id="63" name="群組 62">
                 <a:extLst>
                   <a:ext uri="{FF2B5EF4-FFF2-40B4-BE49-F238E27FC236}">
-                    <a16:creationId xmlns:a16="http://schemas.microsoft.com/office/drawing/2014/main" xmlns="" id="{7C13F866-B0E6-6B41-A404-722EB3DF6C43}"/>
+                    <a16:creationId xmlns:a16="http://schemas.microsoft.com/office/drawing/2014/main" id="{7C13F866-B0E6-6B41-A404-722EB3DF6C43}"/>
                   </a:ext>
                 </a:extLst>
               </p:cNvPr>
@@ -9933,7 +9920,7 @@
                 <p:cNvPr id="64" name="文字方塊 63">
                   <a:extLst>
                     <a:ext uri="{FF2B5EF4-FFF2-40B4-BE49-F238E27FC236}">
-                      <a16:creationId xmlns:a16="http://schemas.microsoft.com/office/drawing/2014/main" xmlns="" id="{A8C91BC3-A1DA-F54C-B009-55C96D812EB0}"/>
+                      <a16:creationId xmlns:a16="http://schemas.microsoft.com/office/drawing/2014/main" id="{A8C91BC3-A1DA-F54C-B009-55C96D812EB0}"/>
                     </a:ext>
                   </a:extLst>
                 </p:cNvPr>
@@ -9969,7 +9956,7 @@
                 <p:cNvPr id="65" name="文字方塊 64">
                   <a:extLst>
                     <a:ext uri="{FF2B5EF4-FFF2-40B4-BE49-F238E27FC236}">
-                      <a16:creationId xmlns:a16="http://schemas.microsoft.com/office/drawing/2014/main" xmlns="" id="{F8BA5FE5-3E4C-5146-909E-20B0CD67087D}"/>
+                      <a16:creationId xmlns:a16="http://schemas.microsoft.com/office/drawing/2014/main" id="{F8BA5FE5-3E4C-5146-909E-20B0CD67087D}"/>
                     </a:ext>
                   </a:extLst>
                 </p:cNvPr>
@@ -10005,7 +9992,7 @@
                 <p:cNvPr id="66" name="文字方塊 65">
                   <a:extLst>
                     <a:ext uri="{FF2B5EF4-FFF2-40B4-BE49-F238E27FC236}">
-                      <a16:creationId xmlns:a16="http://schemas.microsoft.com/office/drawing/2014/main" xmlns="" id="{183A7CF0-5713-724E-817B-D79CE8CC5424}"/>
+                      <a16:creationId xmlns:a16="http://schemas.microsoft.com/office/drawing/2014/main" id="{183A7CF0-5713-724E-817B-D79CE8CC5424}"/>
                     </a:ext>
                   </a:extLst>
                 </p:cNvPr>
@@ -10041,7 +10028,7 @@
                 <p:cNvPr id="67" name="文字方塊 66">
                   <a:extLst>
                     <a:ext uri="{FF2B5EF4-FFF2-40B4-BE49-F238E27FC236}">
-                      <a16:creationId xmlns:a16="http://schemas.microsoft.com/office/drawing/2014/main" xmlns="" id="{0ED5E85D-46CA-5D4F-95A1-2093613A1AE8}"/>
+                      <a16:creationId xmlns:a16="http://schemas.microsoft.com/office/drawing/2014/main" id="{0ED5E85D-46CA-5D4F-95A1-2093613A1AE8}"/>
                     </a:ext>
                   </a:extLst>
                 </p:cNvPr>
@@ -10079,7 +10066,7 @@
             <p:cNvPr id="25" name="群組 24">
               <a:extLst>
                 <a:ext uri="{FF2B5EF4-FFF2-40B4-BE49-F238E27FC236}">
-                  <a16:creationId xmlns:a16="http://schemas.microsoft.com/office/drawing/2014/main" xmlns="" id="{A0247B22-5693-EC44-A108-AA76682EB4A9}"/>
+                  <a16:creationId xmlns:a16="http://schemas.microsoft.com/office/drawing/2014/main" id="{A0247B22-5693-EC44-A108-AA76682EB4A9}"/>
                 </a:ext>
               </a:extLst>
             </p:cNvPr>
@@ -10100,7 +10087,7 @@
               <p:cNvPr id="52" name="群組 51">
                 <a:extLst>
                   <a:ext uri="{FF2B5EF4-FFF2-40B4-BE49-F238E27FC236}">
-                    <a16:creationId xmlns:a16="http://schemas.microsoft.com/office/drawing/2014/main" xmlns="" id="{266DEDA0-26A7-6746-A7E0-BFDF688F42A0}"/>
+                    <a16:creationId xmlns:a16="http://schemas.microsoft.com/office/drawing/2014/main" id="{266DEDA0-26A7-6746-A7E0-BFDF688F42A0}"/>
                   </a:ext>
                 </a:extLst>
               </p:cNvPr>
@@ -10121,7 +10108,7 @@
                 <p:cNvPr id="58" name="文字方塊 57">
                   <a:extLst>
                     <a:ext uri="{FF2B5EF4-FFF2-40B4-BE49-F238E27FC236}">
-                      <a16:creationId xmlns:a16="http://schemas.microsoft.com/office/drawing/2014/main" xmlns="" id="{B799766F-7230-E648-BAE5-6313B79C544B}"/>
+                      <a16:creationId xmlns:a16="http://schemas.microsoft.com/office/drawing/2014/main" id="{B799766F-7230-E648-BAE5-6313B79C544B}"/>
                     </a:ext>
                   </a:extLst>
                 </p:cNvPr>
@@ -10157,7 +10144,7 @@
                 <p:cNvPr id="59" name="文字方塊 58">
                   <a:extLst>
                     <a:ext uri="{FF2B5EF4-FFF2-40B4-BE49-F238E27FC236}">
-                      <a16:creationId xmlns:a16="http://schemas.microsoft.com/office/drawing/2014/main" xmlns="" id="{DB667B03-972D-AB43-AA36-347CC14A4799}"/>
+                      <a16:creationId xmlns:a16="http://schemas.microsoft.com/office/drawing/2014/main" id="{DB667B03-972D-AB43-AA36-347CC14A4799}"/>
                     </a:ext>
                   </a:extLst>
                 </p:cNvPr>
@@ -10193,7 +10180,7 @@
                 <p:cNvPr id="60" name="文字方塊 59">
                   <a:extLst>
                     <a:ext uri="{FF2B5EF4-FFF2-40B4-BE49-F238E27FC236}">
-                      <a16:creationId xmlns:a16="http://schemas.microsoft.com/office/drawing/2014/main" xmlns="" id="{BE383360-15C8-3A44-94E1-C5BBA26EE873}"/>
+                      <a16:creationId xmlns:a16="http://schemas.microsoft.com/office/drawing/2014/main" id="{BE383360-15C8-3A44-94E1-C5BBA26EE873}"/>
                     </a:ext>
                   </a:extLst>
                 </p:cNvPr>
@@ -10229,7 +10216,7 @@
                 <p:cNvPr id="61" name="文字方塊 60">
                   <a:extLst>
                     <a:ext uri="{FF2B5EF4-FFF2-40B4-BE49-F238E27FC236}">
-                      <a16:creationId xmlns:a16="http://schemas.microsoft.com/office/drawing/2014/main" xmlns="" id="{1C3DC44C-25C3-6049-8817-1DD90292DC2D}"/>
+                      <a16:creationId xmlns:a16="http://schemas.microsoft.com/office/drawing/2014/main" id="{1C3DC44C-25C3-6049-8817-1DD90292DC2D}"/>
                     </a:ext>
                   </a:extLst>
                 </p:cNvPr>
@@ -10266,7 +10253,7 @@
               <p:cNvPr id="53" name="群組 52">
                 <a:extLst>
                   <a:ext uri="{FF2B5EF4-FFF2-40B4-BE49-F238E27FC236}">
-                    <a16:creationId xmlns:a16="http://schemas.microsoft.com/office/drawing/2014/main" xmlns="" id="{5ECCEC05-F4A1-2C41-9D8C-068A65E6BD86}"/>
+                    <a16:creationId xmlns:a16="http://schemas.microsoft.com/office/drawing/2014/main" id="{5ECCEC05-F4A1-2C41-9D8C-068A65E6BD86}"/>
                   </a:ext>
                 </a:extLst>
               </p:cNvPr>
@@ -10287,7 +10274,7 @@
                 <p:cNvPr id="54" name="文字方塊 53">
                   <a:extLst>
                     <a:ext uri="{FF2B5EF4-FFF2-40B4-BE49-F238E27FC236}">
-                      <a16:creationId xmlns:a16="http://schemas.microsoft.com/office/drawing/2014/main" xmlns="" id="{FA98D628-A505-DD4D-BFA4-2A18CFBEC731}"/>
+                      <a16:creationId xmlns:a16="http://schemas.microsoft.com/office/drawing/2014/main" id="{FA98D628-A505-DD4D-BFA4-2A18CFBEC731}"/>
                     </a:ext>
                   </a:extLst>
                 </p:cNvPr>
@@ -10323,7 +10310,7 @@
                 <p:cNvPr id="55" name="文字方塊 54">
                   <a:extLst>
                     <a:ext uri="{FF2B5EF4-FFF2-40B4-BE49-F238E27FC236}">
-                      <a16:creationId xmlns:a16="http://schemas.microsoft.com/office/drawing/2014/main" xmlns="" id="{25E5FD97-32EA-F14E-8812-F9304630C2EF}"/>
+                      <a16:creationId xmlns:a16="http://schemas.microsoft.com/office/drawing/2014/main" id="{25E5FD97-32EA-F14E-8812-F9304630C2EF}"/>
                     </a:ext>
                   </a:extLst>
                 </p:cNvPr>
@@ -10359,7 +10346,7 @@
                 <p:cNvPr id="56" name="文字方塊 55">
                   <a:extLst>
                     <a:ext uri="{FF2B5EF4-FFF2-40B4-BE49-F238E27FC236}">
-                      <a16:creationId xmlns:a16="http://schemas.microsoft.com/office/drawing/2014/main" xmlns="" id="{AE91DFA1-B37F-2040-B516-14201FEEDFA6}"/>
+                      <a16:creationId xmlns:a16="http://schemas.microsoft.com/office/drawing/2014/main" id="{AE91DFA1-B37F-2040-B516-14201FEEDFA6}"/>
                     </a:ext>
                   </a:extLst>
                 </p:cNvPr>
@@ -10395,7 +10382,7 @@
                 <p:cNvPr id="57" name="文字方塊 56">
                   <a:extLst>
                     <a:ext uri="{FF2B5EF4-FFF2-40B4-BE49-F238E27FC236}">
-                      <a16:creationId xmlns:a16="http://schemas.microsoft.com/office/drawing/2014/main" xmlns="" id="{65089E6C-D444-5946-99D4-4698180A79FC}"/>
+                      <a16:creationId xmlns:a16="http://schemas.microsoft.com/office/drawing/2014/main" id="{65089E6C-D444-5946-99D4-4698180A79FC}"/>
                     </a:ext>
                   </a:extLst>
                 </p:cNvPr>
@@ -10433,7 +10420,7 @@
             <p:cNvPr id="26" name="群組 25">
               <a:extLst>
                 <a:ext uri="{FF2B5EF4-FFF2-40B4-BE49-F238E27FC236}">
-                  <a16:creationId xmlns:a16="http://schemas.microsoft.com/office/drawing/2014/main" xmlns="" id="{F9ED85FE-6C2B-5D41-8BA8-CAA56574E22F}"/>
+                  <a16:creationId xmlns:a16="http://schemas.microsoft.com/office/drawing/2014/main" id="{F9ED85FE-6C2B-5D41-8BA8-CAA56574E22F}"/>
                 </a:ext>
               </a:extLst>
             </p:cNvPr>
@@ -10454,7 +10441,7 @@
               <p:cNvPr id="48" name="文字方塊 47">
                 <a:extLst>
                   <a:ext uri="{FF2B5EF4-FFF2-40B4-BE49-F238E27FC236}">
-                    <a16:creationId xmlns:a16="http://schemas.microsoft.com/office/drawing/2014/main" xmlns="" id="{1F6C7189-7620-8643-8877-74BD544820A5}"/>
+                    <a16:creationId xmlns:a16="http://schemas.microsoft.com/office/drawing/2014/main" id="{1F6C7189-7620-8643-8877-74BD544820A5}"/>
                   </a:ext>
                 </a:extLst>
               </p:cNvPr>
@@ -10490,7 +10477,7 @@
               <p:cNvPr id="49" name="文字方塊 48">
                 <a:extLst>
                   <a:ext uri="{FF2B5EF4-FFF2-40B4-BE49-F238E27FC236}">
-                    <a16:creationId xmlns:a16="http://schemas.microsoft.com/office/drawing/2014/main" xmlns="" id="{B782B8B5-8E15-7A42-8AA3-C8FC4C896A11}"/>
+                    <a16:creationId xmlns:a16="http://schemas.microsoft.com/office/drawing/2014/main" id="{B782B8B5-8E15-7A42-8AA3-C8FC4C896A11}"/>
                   </a:ext>
                 </a:extLst>
               </p:cNvPr>
@@ -10526,7 +10513,7 @@
               <p:cNvPr id="50" name="文字方塊 49">
                 <a:extLst>
                   <a:ext uri="{FF2B5EF4-FFF2-40B4-BE49-F238E27FC236}">
-                    <a16:creationId xmlns:a16="http://schemas.microsoft.com/office/drawing/2014/main" xmlns="" id="{BEC1B5CB-BC18-4147-AA72-B865B2368B36}"/>
+                    <a16:creationId xmlns:a16="http://schemas.microsoft.com/office/drawing/2014/main" id="{BEC1B5CB-BC18-4147-AA72-B865B2368B36}"/>
                   </a:ext>
                 </a:extLst>
               </p:cNvPr>
@@ -10562,7 +10549,7 @@
               <p:cNvPr id="51" name="文字方塊 50">
                 <a:extLst>
                   <a:ext uri="{FF2B5EF4-FFF2-40B4-BE49-F238E27FC236}">
-                    <a16:creationId xmlns:a16="http://schemas.microsoft.com/office/drawing/2014/main" xmlns="" id="{BA5254F5-6D7F-554C-B70F-3B4F11288645}"/>
+                    <a16:creationId xmlns:a16="http://schemas.microsoft.com/office/drawing/2014/main" id="{BA5254F5-6D7F-554C-B70F-3B4F11288645}"/>
                   </a:ext>
                 </a:extLst>
               </p:cNvPr>
@@ -10599,7 +10586,7 @@
             <p:cNvPr id="27" name="群組 26">
               <a:extLst>
                 <a:ext uri="{FF2B5EF4-FFF2-40B4-BE49-F238E27FC236}">
-                  <a16:creationId xmlns:a16="http://schemas.microsoft.com/office/drawing/2014/main" xmlns="" id="{E3233617-E378-644A-B38B-736800467BD0}"/>
+                  <a16:creationId xmlns:a16="http://schemas.microsoft.com/office/drawing/2014/main" id="{E3233617-E378-644A-B38B-736800467BD0}"/>
                 </a:ext>
               </a:extLst>
             </p:cNvPr>
@@ -10620,7 +10607,7 @@
               <p:cNvPr id="44" name="文字方塊 43">
                 <a:extLst>
                   <a:ext uri="{FF2B5EF4-FFF2-40B4-BE49-F238E27FC236}">
-                    <a16:creationId xmlns:a16="http://schemas.microsoft.com/office/drawing/2014/main" xmlns="" id="{F24A0DBF-3862-3C4C-8808-428FA01F58E4}"/>
+                    <a16:creationId xmlns:a16="http://schemas.microsoft.com/office/drawing/2014/main" id="{F24A0DBF-3862-3C4C-8808-428FA01F58E4}"/>
                   </a:ext>
                 </a:extLst>
               </p:cNvPr>
@@ -10656,7 +10643,7 @@
               <p:cNvPr id="45" name="文字方塊 44">
                 <a:extLst>
                   <a:ext uri="{FF2B5EF4-FFF2-40B4-BE49-F238E27FC236}">
-                    <a16:creationId xmlns:a16="http://schemas.microsoft.com/office/drawing/2014/main" xmlns="" id="{163AA1D9-549B-8549-AA6A-392C4B447C6E}"/>
+                    <a16:creationId xmlns:a16="http://schemas.microsoft.com/office/drawing/2014/main" id="{163AA1D9-549B-8549-AA6A-392C4B447C6E}"/>
                   </a:ext>
                 </a:extLst>
               </p:cNvPr>
@@ -10692,7 +10679,7 @@
               <p:cNvPr id="46" name="文字方塊 45">
                 <a:extLst>
                   <a:ext uri="{FF2B5EF4-FFF2-40B4-BE49-F238E27FC236}">
-                    <a16:creationId xmlns:a16="http://schemas.microsoft.com/office/drawing/2014/main" xmlns="" id="{25D11102-109A-1742-BC1F-E33695D9FB0E}"/>
+                    <a16:creationId xmlns:a16="http://schemas.microsoft.com/office/drawing/2014/main" id="{25D11102-109A-1742-BC1F-E33695D9FB0E}"/>
                   </a:ext>
                 </a:extLst>
               </p:cNvPr>
@@ -10728,7 +10715,7 @@
               <p:cNvPr id="47" name="文字方塊 46">
                 <a:extLst>
                   <a:ext uri="{FF2B5EF4-FFF2-40B4-BE49-F238E27FC236}">
-                    <a16:creationId xmlns:a16="http://schemas.microsoft.com/office/drawing/2014/main" xmlns="" id="{AFC6A7AB-6532-954B-B787-D83882B70739}"/>
+                    <a16:creationId xmlns:a16="http://schemas.microsoft.com/office/drawing/2014/main" id="{AFC6A7AB-6532-954B-B787-D83882B70739}"/>
                   </a:ext>
                 </a:extLst>
               </p:cNvPr>
@@ -10765,7 +10752,7 @@
             <p:cNvPr id="28" name="群組 27">
               <a:extLst>
                 <a:ext uri="{FF2B5EF4-FFF2-40B4-BE49-F238E27FC236}">
-                  <a16:creationId xmlns:a16="http://schemas.microsoft.com/office/drawing/2014/main" xmlns="" id="{C1CF1C3B-9526-6843-9EE9-1944586DB5B0}"/>
+                  <a16:creationId xmlns:a16="http://schemas.microsoft.com/office/drawing/2014/main" id="{C1CF1C3B-9526-6843-9EE9-1944586DB5B0}"/>
                 </a:ext>
               </a:extLst>
             </p:cNvPr>
@@ -10786,7 +10773,7 @@
               <p:cNvPr id="34" name="群組 33">
                 <a:extLst>
                   <a:ext uri="{FF2B5EF4-FFF2-40B4-BE49-F238E27FC236}">
-                    <a16:creationId xmlns:a16="http://schemas.microsoft.com/office/drawing/2014/main" xmlns="" id="{FB05AE5D-12BA-3749-B035-727C52B7FCA1}"/>
+                    <a16:creationId xmlns:a16="http://schemas.microsoft.com/office/drawing/2014/main" id="{FB05AE5D-12BA-3749-B035-727C52B7FCA1}"/>
                   </a:ext>
                 </a:extLst>
               </p:cNvPr>
@@ -10807,7 +10794,7 @@
                 <p:cNvPr id="40" name="文字方塊 39">
                   <a:extLst>
                     <a:ext uri="{FF2B5EF4-FFF2-40B4-BE49-F238E27FC236}">
-                      <a16:creationId xmlns:a16="http://schemas.microsoft.com/office/drawing/2014/main" xmlns="" id="{AC3D3F80-613B-3A41-B39F-C89B91BB8752}"/>
+                      <a16:creationId xmlns:a16="http://schemas.microsoft.com/office/drawing/2014/main" id="{AC3D3F80-613B-3A41-B39F-C89B91BB8752}"/>
                     </a:ext>
                   </a:extLst>
                 </p:cNvPr>
@@ -10843,7 +10830,7 @@
                 <p:cNvPr id="41" name="文字方塊 40">
                   <a:extLst>
                     <a:ext uri="{FF2B5EF4-FFF2-40B4-BE49-F238E27FC236}">
-                      <a16:creationId xmlns:a16="http://schemas.microsoft.com/office/drawing/2014/main" xmlns="" id="{E51CBEAE-81DF-7042-B97E-9DCD848A5D97}"/>
+                      <a16:creationId xmlns:a16="http://schemas.microsoft.com/office/drawing/2014/main" id="{E51CBEAE-81DF-7042-B97E-9DCD848A5D97}"/>
                     </a:ext>
                   </a:extLst>
                 </p:cNvPr>
@@ -10879,7 +10866,7 @@
                 <p:cNvPr id="42" name="文字方塊 41">
                   <a:extLst>
                     <a:ext uri="{FF2B5EF4-FFF2-40B4-BE49-F238E27FC236}">
-                      <a16:creationId xmlns:a16="http://schemas.microsoft.com/office/drawing/2014/main" xmlns="" id="{12B452E0-E351-D048-91FC-5E64341958B0}"/>
+                      <a16:creationId xmlns:a16="http://schemas.microsoft.com/office/drawing/2014/main" id="{12B452E0-E351-D048-91FC-5E64341958B0}"/>
                     </a:ext>
                   </a:extLst>
                 </p:cNvPr>
@@ -10915,7 +10902,7 @@
                 <p:cNvPr id="43" name="文字方塊 42">
                   <a:extLst>
                     <a:ext uri="{FF2B5EF4-FFF2-40B4-BE49-F238E27FC236}">
-                      <a16:creationId xmlns:a16="http://schemas.microsoft.com/office/drawing/2014/main" xmlns="" id="{8A24E1AA-EFF0-D946-91A7-BBCF5218347D}"/>
+                      <a16:creationId xmlns:a16="http://schemas.microsoft.com/office/drawing/2014/main" id="{8A24E1AA-EFF0-D946-91A7-BBCF5218347D}"/>
                     </a:ext>
                   </a:extLst>
                 </p:cNvPr>
@@ -10952,7 +10939,7 @@
               <p:cNvPr id="35" name="群組 34">
                 <a:extLst>
                   <a:ext uri="{FF2B5EF4-FFF2-40B4-BE49-F238E27FC236}">
-                    <a16:creationId xmlns:a16="http://schemas.microsoft.com/office/drawing/2014/main" xmlns="" id="{3A2FDB16-B633-FD4A-A84F-446F81781DE5}"/>
+                    <a16:creationId xmlns:a16="http://schemas.microsoft.com/office/drawing/2014/main" id="{3A2FDB16-B633-FD4A-A84F-446F81781DE5}"/>
                   </a:ext>
                 </a:extLst>
               </p:cNvPr>
@@ -10973,7 +10960,7 @@
                 <p:cNvPr id="36" name="文字方塊 35">
                   <a:extLst>
                     <a:ext uri="{FF2B5EF4-FFF2-40B4-BE49-F238E27FC236}">
-                      <a16:creationId xmlns:a16="http://schemas.microsoft.com/office/drawing/2014/main" xmlns="" id="{F0BBED08-AD83-A24A-B9BF-A9F011F43FE6}"/>
+                      <a16:creationId xmlns:a16="http://schemas.microsoft.com/office/drawing/2014/main" id="{F0BBED08-AD83-A24A-B9BF-A9F011F43FE6}"/>
                     </a:ext>
                   </a:extLst>
                 </p:cNvPr>
@@ -11009,7 +10996,7 @@
                 <p:cNvPr id="37" name="文字方塊 36">
                   <a:extLst>
                     <a:ext uri="{FF2B5EF4-FFF2-40B4-BE49-F238E27FC236}">
-                      <a16:creationId xmlns:a16="http://schemas.microsoft.com/office/drawing/2014/main" xmlns="" id="{D2D995EB-4E7A-A941-A706-3FCABBC5DF4D}"/>
+                      <a16:creationId xmlns:a16="http://schemas.microsoft.com/office/drawing/2014/main" id="{D2D995EB-4E7A-A941-A706-3FCABBC5DF4D}"/>
                     </a:ext>
                   </a:extLst>
                 </p:cNvPr>
@@ -11045,7 +11032,7 @@
                 <p:cNvPr id="38" name="文字方塊 37">
                   <a:extLst>
                     <a:ext uri="{FF2B5EF4-FFF2-40B4-BE49-F238E27FC236}">
-                      <a16:creationId xmlns:a16="http://schemas.microsoft.com/office/drawing/2014/main" xmlns="" id="{1F9B1030-011B-BD4A-B562-B0B019EDE653}"/>
+                      <a16:creationId xmlns:a16="http://schemas.microsoft.com/office/drawing/2014/main" id="{1F9B1030-011B-BD4A-B562-B0B019EDE653}"/>
                     </a:ext>
                   </a:extLst>
                 </p:cNvPr>
@@ -11081,7 +11068,7 @@
                 <p:cNvPr id="39" name="文字方塊 38">
                   <a:extLst>
                     <a:ext uri="{FF2B5EF4-FFF2-40B4-BE49-F238E27FC236}">
-                      <a16:creationId xmlns:a16="http://schemas.microsoft.com/office/drawing/2014/main" xmlns="" id="{663D2284-B4DC-434F-A655-9E707FF4BEA9}"/>
+                      <a16:creationId xmlns:a16="http://schemas.microsoft.com/office/drawing/2014/main" id="{663D2284-B4DC-434F-A655-9E707FF4BEA9}"/>
                     </a:ext>
                   </a:extLst>
                 </p:cNvPr>
@@ -11119,7 +11106,7 @@
             <p:cNvPr id="29" name="群組 28">
               <a:extLst>
                 <a:ext uri="{FF2B5EF4-FFF2-40B4-BE49-F238E27FC236}">
-                  <a16:creationId xmlns:a16="http://schemas.microsoft.com/office/drawing/2014/main" xmlns="" id="{E5DE7E8C-188F-D541-BEDE-EDA61252C83A}"/>
+                  <a16:creationId xmlns:a16="http://schemas.microsoft.com/office/drawing/2014/main" id="{E5DE7E8C-188F-D541-BEDE-EDA61252C83A}"/>
                 </a:ext>
               </a:extLst>
             </p:cNvPr>
@@ -11140,7 +11127,7 @@
               <p:cNvPr id="30" name="文字方塊 29">
                 <a:extLst>
                   <a:ext uri="{FF2B5EF4-FFF2-40B4-BE49-F238E27FC236}">
-                    <a16:creationId xmlns:a16="http://schemas.microsoft.com/office/drawing/2014/main" xmlns="" id="{9163BE39-FD47-F64C-BF69-3572427B7CE5}"/>
+                    <a16:creationId xmlns:a16="http://schemas.microsoft.com/office/drawing/2014/main" id="{9163BE39-FD47-F64C-BF69-3572427B7CE5}"/>
                   </a:ext>
                 </a:extLst>
               </p:cNvPr>
@@ -11176,7 +11163,7 @@
               <p:cNvPr id="31" name="文字方塊 30">
                 <a:extLst>
                   <a:ext uri="{FF2B5EF4-FFF2-40B4-BE49-F238E27FC236}">
-                    <a16:creationId xmlns:a16="http://schemas.microsoft.com/office/drawing/2014/main" xmlns="" id="{31E8F08A-4CFA-114C-A928-9A30EA4FE2D3}"/>
+                    <a16:creationId xmlns:a16="http://schemas.microsoft.com/office/drawing/2014/main" id="{31E8F08A-4CFA-114C-A928-9A30EA4FE2D3}"/>
                   </a:ext>
                 </a:extLst>
               </p:cNvPr>
@@ -11212,7 +11199,7 @@
               <p:cNvPr id="32" name="文字方塊 31">
                 <a:extLst>
                   <a:ext uri="{FF2B5EF4-FFF2-40B4-BE49-F238E27FC236}">
-                    <a16:creationId xmlns:a16="http://schemas.microsoft.com/office/drawing/2014/main" xmlns="" id="{DA73A50A-222C-F840-98C1-B45E58E6A6D9}"/>
+                    <a16:creationId xmlns:a16="http://schemas.microsoft.com/office/drawing/2014/main" id="{DA73A50A-222C-F840-98C1-B45E58E6A6D9}"/>
                   </a:ext>
                 </a:extLst>
               </p:cNvPr>
@@ -11248,7 +11235,7 @@
               <p:cNvPr id="33" name="文字方塊 32">
                 <a:extLst>
                   <a:ext uri="{FF2B5EF4-FFF2-40B4-BE49-F238E27FC236}">
-                    <a16:creationId xmlns:a16="http://schemas.microsoft.com/office/drawing/2014/main" xmlns="" id="{169F0EFD-8E3A-0F46-8EF9-24216966F9B1}"/>
+                    <a16:creationId xmlns:a16="http://schemas.microsoft.com/office/drawing/2014/main" id="{169F0EFD-8E3A-0F46-8EF9-24216966F9B1}"/>
                   </a:ext>
                 </a:extLst>
               </p:cNvPr>
@@ -11481,7 +11468,7 @@
           <p:cNvPr id="2" name="標題 1">
             <a:extLst>
               <a:ext uri="{FF2B5EF4-FFF2-40B4-BE49-F238E27FC236}">
-                <a16:creationId xmlns:a16="http://schemas.microsoft.com/office/drawing/2014/main" xmlns="" id="{74F945E0-DDAC-6B40-ABE9-8343A61059A8}"/>
+                <a16:creationId xmlns:a16="http://schemas.microsoft.com/office/drawing/2014/main" id="{74F945E0-DDAC-6B40-ABE9-8343A61059A8}"/>
               </a:ext>
             </a:extLst>
           </p:cNvPr>
@@ -11510,7 +11497,7 @@
           <p:cNvPr id="3" name="內容版面配置區 2">
             <a:extLst>
               <a:ext uri="{FF2B5EF4-FFF2-40B4-BE49-F238E27FC236}">
-                <a16:creationId xmlns:a16="http://schemas.microsoft.com/office/drawing/2014/main" xmlns="" id="{BD1CEEDE-2C14-B247-8E4C-8B376B29F02D}"/>
+                <a16:creationId xmlns:a16="http://schemas.microsoft.com/office/drawing/2014/main" id="{BD1CEEDE-2C14-B247-8E4C-8B376B29F02D}"/>
               </a:ext>
             </a:extLst>
           </p:cNvPr>
@@ -11653,7 +11640,7 @@
           <p:cNvPr id="2" name="標題 1">
             <a:extLst>
               <a:ext uri="{FF2B5EF4-FFF2-40B4-BE49-F238E27FC236}">
-                <a16:creationId xmlns:a16="http://schemas.microsoft.com/office/drawing/2014/main" xmlns="" id="{DA7B43AE-D9F1-2C40-B67F-B13AB0D7EA54}"/>
+                <a16:creationId xmlns:a16="http://schemas.microsoft.com/office/drawing/2014/main" id="{DA7B43AE-D9F1-2C40-B67F-B13AB0D7EA54}"/>
               </a:ext>
             </a:extLst>
           </p:cNvPr>
@@ -11681,7 +11668,7 @@
           <p:cNvPr id="4" name="矩形 3">
             <a:extLst>
               <a:ext uri="{FF2B5EF4-FFF2-40B4-BE49-F238E27FC236}">
-                <a16:creationId xmlns:a16="http://schemas.microsoft.com/office/drawing/2014/main" xmlns="" id="{18EEB95F-7F4C-CA4E-85BE-C5EC42C9269E}"/>
+                <a16:creationId xmlns:a16="http://schemas.microsoft.com/office/drawing/2014/main" id="{18EEB95F-7F4C-CA4E-85BE-C5EC42C9269E}"/>
               </a:ext>
             </a:extLst>
           </p:cNvPr>
@@ -11782,7 +11769,7 @@
           <p:cNvPr id="5" name="直線箭頭接點 4">
             <a:extLst>
               <a:ext uri="{FF2B5EF4-FFF2-40B4-BE49-F238E27FC236}">
-                <a16:creationId xmlns:a16="http://schemas.microsoft.com/office/drawing/2014/main" xmlns="" id="{F04D4DC7-30BF-DA4E-823E-CBDE01947BEE}"/>
+                <a16:creationId xmlns:a16="http://schemas.microsoft.com/office/drawing/2014/main" id="{F04D4DC7-30BF-DA4E-823E-CBDE01947BEE}"/>
               </a:ext>
             </a:extLst>
           </p:cNvPr>
@@ -11823,7 +11810,7 @@
           <p:cNvPr id="6" name="矩形 5">
             <a:extLst>
               <a:ext uri="{FF2B5EF4-FFF2-40B4-BE49-F238E27FC236}">
-                <a16:creationId xmlns:a16="http://schemas.microsoft.com/office/drawing/2014/main" xmlns="" id="{F5DFC1E4-A612-8046-9638-5971BA61A9FA}"/>
+                <a16:creationId xmlns:a16="http://schemas.microsoft.com/office/drawing/2014/main" id="{F5DFC1E4-A612-8046-9638-5971BA61A9FA}"/>
               </a:ext>
             </a:extLst>
           </p:cNvPr>
@@ -11946,7 +11933,7 @@
           <p:cNvPr id="7" name="直線箭頭接點 6">
             <a:extLst>
               <a:ext uri="{FF2B5EF4-FFF2-40B4-BE49-F238E27FC236}">
-                <a16:creationId xmlns:a16="http://schemas.microsoft.com/office/drawing/2014/main" xmlns="" id="{BC651C8C-5123-964C-B2C5-520CBF1D22B2}"/>
+                <a16:creationId xmlns:a16="http://schemas.microsoft.com/office/drawing/2014/main" id="{BC651C8C-5123-964C-B2C5-520CBF1D22B2}"/>
               </a:ext>
             </a:extLst>
           </p:cNvPr>
@@ -11987,7 +11974,7 @@
           <p:cNvPr id="8" name="矩形 7">
             <a:extLst>
               <a:ext uri="{FF2B5EF4-FFF2-40B4-BE49-F238E27FC236}">
-                <a16:creationId xmlns:a16="http://schemas.microsoft.com/office/drawing/2014/main" xmlns="" id="{E98C0C8F-264A-3941-A4B4-15342DBDD1D9}"/>
+                <a16:creationId xmlns:a16="http://schemas.microsoft.com/office/drawing/2014/main" id="{E98C0C8F-264A-3941-A4B4-15342DBDD1D9}"/>
               </a:ext>
             </a:extLst>
           </p:cNvPr>
@@ -12088,7 +12075,7 @@
           <p:cNvPr id="9" name="文字方塊 8">
             <a:extLst>
               <a:ext uri="{FF2B5EF4-FFF2-40B4-BE49-F238E27FC236}">
-                <a16:creationId xmlns:a16="http://schemas.microsoft.com/office/drawing/2014/main" xmlns="" id="{50664058-DE71-A04C-8E5B-418F02E52674}"/>
+                <a16:creationId xmlns:a16="http://schemas.microsoft.com/office/drawing/2014/main" id="{50664058-DE71-A04C-8E5B-418F02E52674}"/>
               </a:ext>
             </a:extLst>
           </p:cNvPr>
@@ -12161,7 +12148,7 @@
           <p:cNvPr id="10" name="文字方塊 9">
             <a:extLst>
               <a:ext uri="{FF2B5EF4-FFF2-40B4-BE49-F238E27FC236}">
-                <a16:creationId xmlns:a16="http://schemas.microsoft.com/office/drawing/2014/main" xmlns="" id="{25400DC5-8EBB-FD4E-BAD3-26D10213F86F}"/>
+                <a16:creationId xmlns:a16="http://schemas.microsoft.com/office/drawing/2014/main" id="{25400DC5-8EBB-FD4E-BAD3-26D10213F86F}"/>
               </a:ext>
             </a:extLst>
           </p:cNvPr>
@@ -12264,7 +12251,7 @@
           <p:cNvPr id="2" name="標題 1">
             <a:extLst>
               <a:ext uri="{FF2B5EF4-FFF2-40B4-BE49-F238E27FC236}">
-                <a16:creationId xmlns:a16="http://schemas.microsoft.com/office/drawing/2014/main" xmlns="" id="{4DDAC2D3-99C2-1F4A-8DC8-1453A497055E}"/>
+                <a16:creationId xmlns:a16="http://schemas.microsoft.com/office/drawing/2014/main" id="{4DDAC2D3-99C2-1F4A-8DC8-1453A497055E}"/>
               </a:ext>
             </a:extLst>
           </p:cNvPr>
@@ -12292,7 +12279,7 @@
           <p:cNvPr id="3" name="內容版面配置區 2">
             <a:extLst>
               <a:ext uri="{FF2B5EF4-FFF2-40B4-BE49-F238E27FC236}">
-                <a16:creationId xmlns:a16="http://schemas.microsoft.com/office/drawing/2014/main" xmlns="" id="{E0969AF4-B6E8-5C45-95DD-96670FCEFE27}"/>
+                <a16:creationId xmlns:a16="http://schemas.microsoft.com/office/drawing/2014/main" id="{E0969AF4-B6E8-5C45-95DD-96670FCEFE27}"/>
               </a:ext>
             </a:extLst>
           </p:cNvPr>
@@ -12421,7 +12408,7 @@
           <p:cNvPr id="2" name="標題 1">
             <a:extLst>
               <a:ext uri="{FF2B5EF4-FFF2-40B4-BE49-F238E27FC236}">
-                <a16:creationId xmlns:a16="http://schemas.microsoft.com/office/drawing/2014/main" xmlns="" id="{05C8B86C-4861-0D43-B315-59F14A9EF503}"/>
+                <a16:creationId xmlns:a16="http://schemas.microsoft.com/office/drawing/2014/main" id="{05C8B86C-4861-0D43-B315-59F14A9EF503}"/>
               </a:ext>
             </a:extLst>
           </p:cNvPr>
@@ -12449,7 +12436,7 @@
           <p:cNvPr id="3" name="內容版面配置區 2">
             <a:extLst>
               <a:ext uri="{FF2B5EF4-FFF2-40B4-BE49-F238E27FC236}">
-                <a16:creationId xmlns:a16="http://schemas.microsoft.com/office/drawing/2014/main" xmlns="" id="{F52C789C-8ACE-3B4E-9AA0-9B9669E7CC84}"/>
+                <a16:creationId xmlns:a16="http://schemas.microsoft.com/office/drawing/2014/main" id="{F52C789C-8ACE-3B4E-9AA0-9B9669E7CC84}"/>
               </a:ext>
             </a:extLst>
           </p:cNvPr>
